--- a/src/EngMain2/Stimuli/Instructions.pptx
+++ b/src/EngMain2/Stimuli/Instructions.pptx
@@ -5,21 +5,22 @@
     <p:sldMasterId id="2147483648" r:id="rId1"/>
   </p:sldMasterIdLst>
   <p:sldIdLst>
-    <p:sldId id="296" r:id="rId2"/>
-    <p:sldId id="297" r:id="rId3"/>
-    <p:sldId id="279" r:id="rId4"/>
-    <p:sldId id="280" r:id="rId5"/>
-    <p:sldId id="283" r:id="rId6"/>
-    <p:sldId id="284" r:id="rId7"/>
-    <p:sldId id="285" r:id="rId8"/>
-    <p:sldId id="287" r:id="rId9"/>
-    <p:sldId id="289" r:id="rId10"/>
-    <p:sldId id="290" r:id="rId11"/>
-    <p:sldId id="277" r:id="rId12"/>
-    <p:sldId id="292" r:id="rId13"/>
-    <p:sldId id="293" r:id="rId14"/>
-    <p:sldId id="298" r:id="rId15"/>
-    <p:sldId id="299" r:id="rId16"/>
+    <p:sldId id="300" r:id="rId2"/>
+    <p:sldId id="296" r:id="rId3"/>
+    <p:sldId id="297" r:id="rId4"/>
+    <p:sldId id="279" r:id="rId5"/>
+    <p:sldId id="280" r:id="rId6"/>
+    <p:sldId id="283" r:id="rId7"/>
+    <p:sldId id="284" r:id="rId8"/>
+    <p:sldId id="285" r:id="rId9"/>
+    <p:sldId id="287" r:id="rId10"/>
+    <p:sldId id="289" r:id="rId11"/>
+    <p:sldId id="290" r:id="rId12"/>
+    <p:sldId id="277" r:id="rId13"/>
+    <p:sldId id="292" r:id="rId14"/>
+    <p:sldId id="293" r:id="rId15"/>
+    <p:sldId id="298" r:id="rId16"/>
+    <p:sldId id="299" r:id="rId17"/>
   </p:sldIdLst>
   <p:sldSz cx="12192000" cy="6858000"/>
   <p:notesSz cx="6858000" cy="9144000"/>
@@ -275,7 +276,7 @@
           <a:p>
             <a:fld id="{F94CC130-BC3E-4493-B419-9ABD77C45A17}" type="datetimeFigureOut">
               <a:rPr lang="en-GB" smtClean="0"/>
-              <a:t>23/07/2020</a:t>
+              <a:t>19/08/2020</a:t>
             </a:fld>
             <a:endParaRPr lang="en-GB"/>
           </a:p>
@@ -475,7 +476,7 @@
           <a:p>
             <a:fld id="{F94CC130-BC3E-4493-B419-9ABD77C45A17}" type="datetimeFigureOut">
               <a:rPr lang="en-GB" smtClean="0"/>
-              <a:t>23/07/2020</a:t>
+              <a:t>19/08/2020</a:t>
             </a:fld>
             <a:endParaRPr lang="en-GB"/>
           </a:p>
@@ -685,7 +686,7 @@
           <a:p>
             <a:fld id="{F94CC130-BC3E-4493-B419-9ABD77C45A17}" type="datetimeFigureOut">
               <a:rPr lang="en-GB" smtClean="0"/>
-              <a:t>23/07/2020</a:t>
+              <a:t>19/08/2020</a:t>
             </a:fld>
             <a:endParaRPr lang="en-GB"/>
           </a:p>
@@ -885,7 +886,7 @@
           <a:p>
             <a:fld id="{F94CC130-BC3E-4493-B419-9ABD77C45A17}" type="datetimeFigureOut">
               <a:rPr lang="en-GB" smtClean="0"/>
-              <a:t>23/07/2020</a:t>
+              <a:t>19/08/2020</a:t>
             </a:fld>
             <a:endParaRPr lang="en-GB"/>
           </a:p>
@@ -1161,7 +1162,7 @@
           <a:p>
             <a:fld id="{F94CC130-BC3E-4493-B419-9ABD77C45A17}" type="datetimeFigureOut">
               <a:rPr lang="en-GB" smtClean="0"/>
-              <a:t>23/07/2020</a:t>
+              <a:t>19/08/2020</a:t>
             </a:fld>
             <a:endParaRPr lang="en-GB"/>
           </a:p>
@@ -1429,7 +1430,7 @@
           <a:p>
             <a:fld id="{F94CC130-BC3E-4493-B419-9ABD77C45A17}" type="datetimeFigureOut">
               <a:rPr lang="en-GB" smtClean="0"/>
-              <a:t>23/07/2020</a:t>
+              <a:t>19/08/2020</a:t>
             </a:fld>
             <a:endParaRPr lang="en-GB"/>
           </a:p>
@@ -1844,7 +1845,7 @@
           <a:p>
             <a:fld id="{F94CC130-BC3E-4493-B419-9ABD77C45A17}" type="datetimeFigureOut">
               <a:rPr lang="en-GB" smtClean="0"/>
-              <a:t>23/07/2020</a:t>
+              <a:t>19/08/2020</a:t>
             </a:fld>
             <a:endParaRPr lang="en-GB"/>
           </a:p>
@@ -1986,7 +1987,7 @@
           <a:p>
             <a:fld id="{F94CC130-BC3E-4493-B419-9ABD77C45A17}" type="datetimeFigureOut">
               <a:rPr lang="en-GB" smtClean="0"/>
-              <a:t>23/07/2020</a:t>
+              <a:t>19/08/2020</a:t>
             </a:fld>
             <a:endParaRPr lang="en-GB"/>
           </a:p>
@@ -2099,7 +2100,7 @@
           <a:p>
             <a:fld id="{F94CC130-BC3E-4493-B419-9ABD77C45A17}" type="datetimeFigureOut">
               <a:rPr lang="en-GB" smtClean="0"/>
-              <a:t>23/07/2020</a:t>
+              <a:t>19/08/2020</a:t>
             </a:fld>
             <a:endParaRPr lang="en-GB"/>
           </a:p>
@@ -2412,7 +2413,7 @@
           <a:p>
             <a:fld id="{F94CC130-BC3E-4493-B419-9ABD77C45A17}" type="datetimeFigureOut">
               <a:rPr lang="en-GB" smtClean="0"/>
-              <a:t>23/07/2020</a:t>
+              <a:t>19/08/2020</a:t>
             </a:fld>
             <a:endParaRPr lang="en-GB"/>
           </a:p>
@@ -2701,7 +2702,7 @@
           <a:p>
             <a:fld id="{F94CC130-BC3E-4493-B419-9ABD77C45A17}" type="datetimeFigureOut">
               <a:rPr lang="en-GB" smtClean="0"/>
-              <a:t>23/07/2020</a:t>
+              <a:t>19/08/2020</a:t>
             </a:fld>
             <a:endParaRPr lang="en-GB"/>
           </a:p>
@@ -2944,7 +2945,7 @@
           <a:p>
             <a:fld id="{F94CC130-BC3E-4493-B419-9ABD77C45A17}" type="datetimeFigureOut">
               <a:rPr lang="en-GB" smtClean="0"/>
-              <a:t>23/07/2020</a:t>
+              <a:t>19/08/2020</a:t>
             </a:fld>
             <a:endParaRPr lang="en-GB"/>
           </a:p>
@@ -3363,259 +3364,176 @@
       </p:grpSpPr>
       <p:sp>
         <p:nvSpPr>
-          <p:cNvPr id="6" name="ZoneTexte 5"/>
-          <p:cNvSpPr txBox="1"/>
+          <p:cNvPr id="2" name="Title 1">
+            <a:extLst>
+              <a:ext uri="{FF2B5EF4-FFF2-40B4-BE49-F238E27FC236}">
+                <a16:creationId xmlns:a16="http://schemas.microsoft.com/office/drawing/2014/main" id="{FF5B112C-2EF0-4BAD-B55D-01BAC74D8F48}"/>
+              </a:ext>
+            </a:extLst>
+          </p:cNvPr>
+          <p:cNvSpPr>
+            <a:spLocks noGrp="1"/>
+          </p:cNvSpPr>
+          <p:nvPr>
+            <p:ph type="title"/>
+          </p:nvPr>
+        </p:nvSpPr>
+        <p:spPr/>
+        <p:txBody>
+          <a:bodyPr/>
+          <a:lstStyle/>
+          <a:p>
+            <a:pPr algn="ctr"/>
+            <a:r>
+              <a:rPr lang="en-GB" b="1" dirty="0">
+                <a:solidFill>
+                  <a:srgbClr val="FF0000"/>
+                </a:solidFill>
+              </a:rPr>
+              <a:t>ATTENTION !</a:t>
+            </a:r>
+          </a:p>
+        </p:txBody>
+      </p:sp>
+      <p:sp>
+        <p:nvSpPr>
+          <p:cNvPr id="4" name="Espace réservé du contenu 2">
+            <a:extLst>
+              <a:ext uri="{FF2B5EF4-FFF2-40B4-BE49-F238E27FC236}">
+                <a16:creationId xmlns:a16="http://schemas.microsoft.com/office/drawing/2014/main" id="{A554AFAD-CF32-4CE7-B88D-07539935AE76}"/>
+              </a:ext>
+            </a:extLst>
+          </p:cNvPr>
+          <p:cNvSpPr>
+            <a:spLocks noGrp="1"/>
+          </p:cNvSpPr>
+          <p:nvPr>
+            <p:ph idx="1"/>
+          </p:nvPr>
+        </p:nvSpPr>
+        <p:spPr>
+          <a:xfrm>
+            <a:off x="755543" y="1611824"/>
+            <a:ext cx="10682206" cy="4725285"/>
+          </a:xfrm>
+        </p:spPr>
+        <p:txBody>
+          <a:bodyPr>
+            <a:noAutofit/>
+          </a:bodyPr>
+          <a:lstStyle/>
+          <a:p>
+            <a:pPr marL="0" indent="0" algn="ctr">
+              <a:buNone/>
+            </a:pPr>
+            <a:r>
+              <a:rPr lang="fr-FR" sz="2400" dirty="0"/>
+              <a:t>Ce test a changé!</a:t>
+            </a:r>
+          </a:p>
+          <a:p>
+            <a:pPr marL="0" indent="0" algn="ctr">
+              <a:buNone/>
+            </a:pPr>
+            <a:r>
+              <a:rPr lang="fr-FR" sz="2400" dirty="0"/>
+              <a:t>Maintenant, quand nous vous demanderons au cours d’un exercice si vous souhaitez l'arrêter, vous devez appuyer sur la touche « Entrée »</a:t>
+            </a:r>
+          </a:p>
+        </p:txBody>
+      </p:sp>
+      <p:pic>
+        <p:nvPicPr>
+          <p:cNvPr id="7" name="Picture 6">
+            <a:extLst>
+              <a:ext uri="{FF2B5EF4-FFF2-40B4-BE49-F238E27FC236}">
+                <a16:creationId xmlns:a16="http://schemas.microsoft.com/office/drawing/2014/main" id="{9D12E640-1E5F-46EC-8616-996F57832C44}"/>
+              </a:ext>
+            </a:extLst>
+          </p:cNvPr>
+          <p:cNvPicPr>
+            <a:picLocks noChangeAspect="1"/>
+          </p:cNvPicPr>
           <p:nvPr/>
-        </p:nvSpPr>
-        <p:spPr>
-          <a:xfrm>
-            <a:off x="1874204" y="2274838"/>
-            <a:ext cx="8443609" cy="1569660"/>
+        </p:nvPicPr>
+        <p:blipFill>
+          <a:blip r:embed="rId2"/>
+          <a:stretch>
+            <a:fillRect/>
+          </a:stretch>
+        </p:blipFill>
+        <p:spPr>
+          <a:xfrm>
+            <a:off x="3024587" y="3146779"/>
+            <a:ext cx="5918099" cy="2894304"/>
+          </a:xfrm>
+          <a:prstGeom prst="rect">
+            <a:avLst/>
+          </a:prstGeom>
+        </p:spPr>
+      </p:pic>
+      <p:sp>
+        <p:nvSpPr>
+          <p:cNvPr id="8" name="Rectangle 7">
+            <a:extLst>
+              <a:ext uri="{FF2B5EF4-FFF2-40B4-BE49-F238E27FC236}">
+                <a16:creationId xmlns:a16="http://schemas.microsoft.com/office/drawing/2014/main" id="{80805A08-B57D-49F8-B397-8714EEF367CF}"/>
+              </a:ext>
+            </a:extLst>
+          </p:cNvPr>
+          <p:cNvSpPr/>
+          <p:nvPr/>
+        </p:nvSpPr>
+        <p:spPr>
+          <a:xfrm>
+            <a:off x="3554499" y="3080749"/>
+            <a:ext cx="5083002" cy="3026364"/>
           </a:xfrm>
           <a:prstGeom prst="rect">
             <a:avLst/>
           </a:prstGeom>
           <a:noFill/>
-        </p:spPr>
-        <p:txBody>
-          <a:bodyPr wrap="square" rtlCol="0">
-            <a:spAutoFit/>
-          </a:bodyPr>
+          <a:ln w="76200">
+            <a:solidFill>
+              <a:schemeClr val="bg1">
+                <a:lumMod val="65000"/>
+              </a:schemeClr>
+            </a:solidFill>
+          </a:ln>
+        </p:spPr>
+        <p:style>
+          <a:lnRef idx="2">
+            <a:schemeClr val="accent1">
+              <a:shade val="50000"/>
+            </a:schemeClr>
+          </a:lnRef>
+          <a:fillRef idx="1">
+            <a:schemeClr val="accent1"/>
+          </a:fillRef>
+          <a:effectRef idx="0">
+            <a:schemeClr val="accent1"/>
+          </a:effectRef>
+          <a:fontRef idx="minor">
+            <a:schemeClr val="lt1"/>
+          </a:fontRef>
+        </p:style>
+        <p:txBody>
+          <a:bodyPr rtlCol="0" anchor="ctr"/>
           <a:lstStyle/>
           <a:p>
             <a:pPr algn="ctr"/>
-            <a:r>
-              <a:rPr lang="fr-FR" sz="2400" b="1">
-                <a:solidFill>
-                  <a:srgbClr val="0070C0"/>
-                </a:solidFill>
-              </a:rPr>
-              <a:t>TEST DE CHARGE MENTALE:</a:t>
-            </a:r>
-            <a:endParaRPr lang="fr-FR" sz="2400" b="1" dirty="0">
+            <a:endParaRPr lang="en-GB">
               <a:solidFill>
-                <a:srgbClr val="0070C0"/>
+                <a:schemeClr val="tx1"/>
               </a:solidFill>
             </a:endParaRPr>
-          </a:p>
-          <a:p>
-            <a:pPr algn="ctr"/>
-            <a:r>
-              <a:rPr lang="fr-FR" sz="2400" b="1" dirty="0">
-                <a:solidFill>
-                  <a:srgbClr val="0070C0"/>
-                </a:solidFill>
-              </a:rPr>
-              <a:t>INSTRUCTIONS</a:t>
-            </a:r>
-            <a:endParaRPr lang="en-GB" sz="2400" b="1" dirty="0">
-              <a:solidFill>
-                <a:srgbClr val="0070C0"/>
-              </a:solidFill>
-            </a:endParaRPr>
-          </a:p>
-          <a:p>
-            <a:pPr algn="ctr"/>
-            <a:endParaRPr lang="en-GB" sz="2400" dirty="0"/>
-          </a:p>
-          <a:p>
-            <a:pPr algn="ctr"/>
-            <a:endParaRPr lang="en-GB" sz="2400" dirty="0"/>
-          </a:p>
-        </p:txBody>
-      </p:sp>
-      <p:sp>
-        <p:nvSpPr>
-          <p:cNvPr id="3" name="Rectangle 2"/>
-          <p:cNvSpPr/>
-          <p:nvPr/>
-        </p:nvSpPr>
-        <p:spPr>
-          <a:xfrm>
-            <a:off x="723771" y="4317964"/>
-            <a:ext cx="10744480" cy="1754326"/>
-          </a:xfrm>
-          <a:prstGeom prst="rect">
-            <a:avLst/>
-          </a:prstGeom>
-        </p:spPr>
-        <p:txBody>
-          <a:bodyPr wrap="none">
-            <a:spAutoFit/>
-          </a:bodyPr>
-          <a:lstStyle/>
-          <a:p>
-            <a:pPr algn="ctr">
-              <a:lnSpc>
-                <a:spcPct val="150000"/>
-              </a:lnSpc>
-            </a:pPr>
-            <a:r>
-              <a:rPr lang="en-GB" sz="2400" dirty="0" err="1"/>
-              <a:t>Veuillez</a:t>
-            </a:r>
-            <a:r>
-              <a:rPr lang="en-GB" sz="2400" dirty="0"/>
-              <a:t> lire </a:t>
-            </a:r>
-            <a:r>
-              <a:rPr lang="en-GB" sz="2400" dirty="0" err="1"/>
-              <a:t>attentivement</a:t>
-            </a:r>
-            <a:r>
-              <a:rPr lang="en-GB" sz="2400" dirty="0"/>
-              <a:t> les instructions qui </a:t>
-            </a:r>
-            <a:r>
-              <a:rPr lang="en-GB" sz="2400" dirty="0" err="1"/>
-              <a:t>vont</a:t>
-            </a:r>
-            <a:r>
-              <a:rPr lang="en-GB" sz="2400" dirty="0"/>
-              <a:t> </a:t>
-            </a:r>
-            <a:r>
-              <a:rPr lang="en-GB" sz="2400" dirty="0" err="1"/>
-              <a:t>suivre</a:t>
-            </a:r>
-            <a:r>
-              <a:rPr lang="en-GB" sz="2400" dirty="0"/>
-              <a:t>.</a:t>
-            </a:r>
-          </a:p>
-          <a:p>
-            <a:pPr algn="ctr">
-              <a:lnSpc>
-                <a:spcPct val="150000"/>
-              </a:lnSpc>
-            </a:pPr>
-            <a:r>
-              <a:rPr lang="en-GB" sz="2400" dirty="0" err="1"/>
-              <a:t>Appuyez</a:t>
-            </a:r>
-            <a:r>
-              <a:rPr lang="en-GB" sz="2400" dirty="0"/>
-              <a:t> sur </a:t>
-            </a:r>
-            <a:r>
-              <a:rPr lang="fr-FR" sz="2400" dirty="0"/>
-              <a:t>« </a:t>
-            </a:r>
-            <a:r>
-              <a:rPr lang="en-GB" sz="2400" dirty="0"/>
-              <a:t>la </a:t>
-            </a:r>
-            <a:r>
-              <a:rPr lang="en-GB" sz="2400" dirty="0" err="1"/>
-              <a:t>flèche</a:t>
-            </a:r>
-            <a:r>
-              <a:rPr lang="en-GB" sz="2400" dirty="0"/>
-              <a:t> de </a:t>
-            </a:r>
-            <a:r>
-              <a:rPr lang="en-GB" sz="2400" dirty="0" err="1"/>
-              <a:t>droite</a:t>
-            </a:r>
-            <a:r>
-              <a:rPr lang="fr-FR" sz="2400" dirty="0"/>
-              <a:t> »</a:t>
-            </a:r>
-            <a:r>
-              <a:rPr lang="en-GB" sz="2400" dirty="0"/>
-              <a:t> [</a:t>
-            </a:r>
-            <a:r>
-              <a:rPr lang="en-GB" sz="2400" dirty="0">
-                <a:sym typeface="Wingdings" panose="05000000000000000000" pitchFamily="2" charset="2"/>
-              </a:rPr>
-              <a:t>] </a:t>
-            </a:r>
-            <a:r>
-              <a:rPr lang="en-GB" sz="2400" dirty="0"/>
-              <a:t>pour continuer et lire la suite.</a:t>
-            </a:r>
-          </a:p>
-          <a:p>
-            <a:pPr algn="ctr">
-              <a:lnSpc>
-                <a:spcPct val="150000"/>
-              </a:lnSpc>
-            </a:pPr>
-            <a:r>
-              <a:rPr lang="en-GB" sz="2400" dirty="0" err="1"/>
-              <a:t>Appuyez</a:t>
-            </a:r>
-            <a:r>
-              <a:rPr lang="en-GB" sz="2400" dirty="0"/>
-              <a:t> sur </a:t>
-            </a:r>
-            <a:r>
-              <a:rPr lang="fr-FR" sz="2400" dirty="0"/>
-              <a:t>« </a:t>
-            </a:r>
-            <a:r>
-              <a:rPr lang="en-GB" sz="2400" dirty="0"/>
-              <a:t>la </a:t>
-            </a:r>
-            <a:r>
-              <a:rPr lang="en-GB" sz="2400" dirty="0" err="1"/>
-              <a:t>flèche</a:t>
-            </a:r>
-            <a:r>
-              <a:rPr lang="en-GB" sz="2400" dirty="0"/>
-              <a:t> de gauche </a:t>
-            </a:r>
-            <a:r>
-              <a:rPr lang="fr-FR" sz="2400" dirty="0"/>
-              <a:t>»</a:t>
-            </a:r>
-            <a:r>
-              <a:rPr lang="en-GB" sz="2400" dirty="0"/>
-              <a:t> [</a:t>
-            </a:r>
-            <a:r>
-              <a:rPr lang="en-GB" sz="2400" dirty="0">
-                <a:sym typeface="Wingdings" panose="05000000000000000000" pitchFamily="2" charset="2"/>
-              </a:rPr>
-              <a:t>] </a:t>
-            </a:r>
-            <a:r>
-              <a:rPr lang="en-GB" sz="2400" dirty="0"/>
-              <a:t>pour </a:t>
-            </a:r>
-            <a:r>
-              <a:rPr lang="en-GB" sz="2400" dirty="0" err="1"/>
-              <a:t>revenir</a:t>
-            </a:r>
-            <a:r>
-              <a:rPr lang="en-GB" sz="2400" dirty="0"/>
-              <a:t> et lire </a:t>
-            </a:r>
-            <a:r>
-              <a:rPr lang="en-GB" sz="2400" dirty="0" err="1"/>
-              <a:t>l’instruction</a:t>
-            </a:r>
-            <a:r>
-              <a:rPr lang="en-GB" sz="2400" dirty="0"/>
-              <a:t> </a:t>
-            </a:r>
-            <a:r>
-              <a:rPr lang="en-GB" sz="2400" dirty="0" err="1"/>
-              <a:t>précédente</a:t>
-            </a:r>
-            <a:r>
-              <a:rPr lang="en-GB" sz="2400" dirty="0"/>
-              <a:t>.</a:t>
-            </a:r>
-            <a:endParaRPr lang="fr-FR" sz="2400" dirty="0"/>
           </a:p>
         </p:txBody>
       </p:sp>
     </p:spTree>
     <p:extLst>
       <p:ext uri="{BB962C8B-B14F-4D97-AF65-F5344CB8AC3E}">
-        <p14:creationId xmlns:p14="http://schemas.microsoft.com/office/powerpoint/2010/main" val="3711202078"/>
+        <p14:creationId xmlns:p14="http://schemas.microsoft.com/office/powerpoint/2010/main" val="161816370"/>
       </p:ext>
     </p:extLst>
   </p:cSld>
@@ -3650,8 +3568,8 @@
         </p:nvSpPr>
         <p:spPr>
           <a:xfrm>
-            <a:off x="979748" y="1037513"/>
-            <a:ext cx="10232504" cy="5201424"/>
+            <a:off x="727881" y="1099125"/>
+            <a:ext cx="10740788" cy="830997"/>
           </a:xfrm>
           <a:prstGeom prst="rect">
             <a:avLst/>
@@ -3671,89 +3589,162 @@
             </a:pPr>
             <a:r>
               <a:rPr lang="fr-FR" sz="2400" dirty="0"/>
-              <a:t>Pour chaque exercice, et quel que soit le mode de difficulté, il y a 32 chiffres cibles chiffres à détecter.</a:t>
-            </a:r>
-          </a:p>
-          <a:p>
-            <a:pPr algn="ctr">
-              <a:spcAft>
-                <a:spcPts val="600"/>
-              </a:spcAft>
-            </a:pPr>
-            <a:endParaRPr lang="fr-FR" sz="1100" dirty="0"/>
-          </a:p>
-          <a:p>
-            <a:pPr algn="ctr">
-              <a:spcAft>
-                <a:spcPts val="600"/>
-              </a:spcAft>
-            </a:pPr>
+              <a:t>Dans le mode « </a:t>
+            </a:r>
+            <a:r>
+              <a:rPr lang="fr-FR" sz="2400" b="1" dirty="0"/>
+              <a:t>difficile</a:t>
+            </a:r>
             <a:r>
               <a:rPr lang="fr-FR" sz="2400" dirty="0"/>
-              <a:t>Pour obtenir le bonus, vous devrez détecter correctement au moins 28 chiffres cibles chiffres. Vous devez donc rater strictement moins de 5 cibles.</a:t>
-            </a:r>
-          </a:p>
-          <a:p>
-            <a:pPr algn="ctr">
-              <a:spcAft>
-                <a:spcPts val="600"/>
-              </a:spcAft>
-            </a:pPr>
-            <a:r>
-              <a:rPr lang="fr-FR" sz="2400" dirty="0"/>
-              <a:t>Ce n’est pas tout : appuyer sur la barre espace alors qu’il n’y avait pas de chiffre cible présent sur l’écran est aussi considéré comme une erreur. Pour obtenir le bonus, il vous faudra faire strictement moins de 5 erreurs de ce type.</a:t>
-            </a:r>
-          </a:p>
-          <a:p>
-            <a:pPr algn="ctr">
-              <a:spcAft>
-                <a:spcPts val="600"/>
-              </a:spcAft>
-            </a:pPr>
-            <a:endParaRPr lang="fr-FR" sz="1100" dirty="0"/>
-          </a:p>
-          <a:p>
-            <a:pPr algn="ctr">
-              <a:spcAft>
-                <a:spcPts val="600"/>
-              </a:spcAft>
-            </a:pPr>
-            <a:r>
-              <a:rPr lang="fr-FR" sz="2400" dirty="0"/>
-              <a:t>Vous devez donc appuyer sur la barre d’espace si, et seulement si, vous venez d’apercevoir le chiffre cible.</a:t>
-            </a:r>
-          </a:p>
-          <a:p>
-            <a:pPr algn="ctr">
-              <a:spcAft>
-                <a:spcPts val="600"/>
-              </a:spcAft>
-            </a:pPr>
-            <a:endParaRPr lang="fr-FR" sz="1100" dirty="0"/>
-          </a:p>
-          <a:p>
-            <a:pPr algn="ctr">
-              <a:spcAft>
-                <a:spcPts val="600"/>
-              </a:spcAft>
-            </a:pPr>
-            <a:r>
-              <a:rPr lang="fr-FR" sz="2400" dirty="0"/>
-              <a:t>A la fin de chaque exercice, nous vous indiquerons le nombre d’erreurs que vous avez commises.</a:t>
-            </a:r>
-          </a:p>
-        </p:txBody>
-      </p:sp>
-      <p:sp>
-        <p:nvSpPr>
-          <p:cNvPr id="6" name="ZoneTexte 5"/>
+              <a:t> », les changements de position du chiffre cible ne seront pas indiqués (le symbole central sera symbole sera le nombre 3):</a:t>
+            </a:r>
+          </a:p>
+        </p:txBody>
+      </p:sp>
+      <p:sp>
+        <p:nvSpPr>
+          <p:cNvPr id="9" name="Rectangle 8"/>
+          <p:cNvSpPr/>
+          <p:nvPr/>
+        </p:nvSpPr>
+        <p:spPr>
+          <a:xfrm>
+            <a:off x="3554499" y="2179987"/>
+            <a:ext cx="5083002" cy="3026364"/>
+          </a:xfrm>
+          <a:prstGeom prst="rect">
+            <a:avLst/>
+          </a:prstGeom>
+          <a:noFill/>
+          <a:ln w="76200">
+            <a:solidFill>
+              <a:schemeClr val="bg1">
+                <a:lumMod val="65000"/>
+              </a:schemeClr>
+            </a:solidFill>
+          </a:ln>
+        </p:spPr>
+        <p:style>
+          <a:lnRef idx="2">
+            <a:schemeClr val="accent1">
+              <a:shade val="50000"/>
+            </a:schemeClr>
+          </a:lnRef>
+          <a:fillRef idx="1">
+            <a:schemeClr val="accent1"/>
+          </a:fillRef>
+          <a:effectRef idx="0">
+            <a:schemeClr val="accent1"/>
+          </a:effectRef>
+          <a:fontRef idx="minor">
+            <a:schemeClr val="lt1"/>
+          </a:fontRef>
+        </p:style>
+        <p:txBody>
+          <a:bodyPr rtlCol="0" anchor="ctr"/>
+          <a:lstStyle/>
+          <a:p>
+            <a:pPr algn="ctr"/>
+            <a:endParaRPr lang="en-GB">
+              <a:solidFill>
+                <a:schemeClr val="tx1"/>
+              </a:solidFill>
+            </a:endParaRPr>
+          </a:p>
+        </p:txBody>
+      </p:sp>
+      <p:pic>
+        <p:nvPicPr>
+          <p:cNvPr id="2" name="Picture 1">
+            <a:extLst>
+              <a:ext uri="{FF2B5EF4-FFF2-40B4-BE49-F238E27FC236}">
+                <a16:creationId xmlns:a16="http://schemas.microsoft.com/office/drawing/2014/main" id="{363014B6-7902-405A-B1A0-4FBCAB6E369B}"/>
+              </a:ext>
+            </a:extLst>
+          </p:cNvPr>
+          <p:cNvPicPr>
+            <a:picLocks noChangeAspect="1"/>
+          </p:cNvPicPr>
+          <p:nvPr/>
+        </p:nvPicPr>
+        <p:blipFill rotWithShape="1">
+          <a:blip r:embed="rId2"/>
+          <a:srcRect l="32860" t="42712" r="33326" b="39209"/>
+          <a:stretch/>
+        </p:blipFill>
+        <p:spPr>
+          <a:xfrm>
+            <a:off x="3975315" y="3020310"/>
+            <a:ext cx="4122549" cy="1239864"/>
+          </a:xfrm>
+          <a:prstGeom prst="rect">
+            <a:avLst/>
+          </a:prstGeom>
+        </p:spPr>
+      </p:pic>
+      <p:sp>
+        <p:nvSpPr>
+          <p:cNvPr id="11" name="Oval 10">
+            <a:extLst>
+              <a:ext uri="{FF2B5EF4-FFF2-40B4-BE49-F238E27FC236}">
+                <a16:creationId xmlns:a16="http://schemas.microsoft.com/office/drawing/2014/main" id="{E5F2F0C8-AF62-436C-AA71-A367DCC55071}"/>
+              </a:ext>
+            </a:extLst>
+          </p:cNvPr>
+          <p:cNvSpPr/>
+          <p:nvPr/>
+        </p:nvSpPr>
+        <p:spPr>
+          <a:xfrm>
+            <a:off x="5873856" y="3445196"/>
+            <a:ext cx="356461" cy="387458"/>
+          </a:xfrm>
+          <a:prstGeom prst="ellipse">
+            <a:avLst/>
+          </a:prstGeom>
+          <a:noFill/>
+          <a:ln w="28575">
+            <a:solidFill>
+              <a:srgbClr val="FF0000"/>
+            </a:solidFill>
+          </a:ln>
+        </p:spPr>
+        <p:style>
+          <a:lnRef idx="2">
+            <a:schemeClr val="accent1">
+              <a:shade val="50000"/>
+            </a:schemeClr>
+          </a:lnRef>
+          <a:fillRef idx="1">
+            <a:schemeClr val="accent1"/>
+          </a:fillRef>
+          <a:effectRef idx="0">
+            <a:schemeClr val="accent1"/>
+          </a:effectRef>
+          <a:fontRef idx="minor">
+            <a:schemeClr val="lt1"/>
+          </a:fontRef>
+        </p:style>
+        <p:txBody>
+          <a:bodyPr rtlCol="0" anchor="ctr"/>
+          <a:lstStyle/>
+          <a:p>
+            <a:pPr algn="ctr"/>
+            <a:endParaRPr lang="en-GB"/>
+          </a:p>
+        </p:txBody>
+      </p:sp>
+      <p:sp>
+        <p:nvSpPr>
+          <p:cNvPr id="10" name="ZoneTexte 9"/>
           <p:cNvSpPr txBox="1"/>
           <p:nvPr/>
         </p:nvSpPr>
         <p:spPr>
           <a:xfrm>
-            <a:off x="903028" y="379385"/>
-            <a:ext cx="10385945" cy="461665"/>
+            <a:off x="1956180" y="379385"/>
+            <a:ext cx="8279641" cy="461665"/>
           </a:xfrm>
           <a:prstGeom prst="rect">
             <a:avLst/>
@@ -3783,7 +3774,51 @@
                   <a:srgbClr val="0070C0"/>
                 </a:solidFill>
               </a:rPr>
-              <a:t>EXERCICE DE CHARGE MENTALE: CALCUL DU BONUS DE PERFORMANCE</a:t>
+              <a:t>EXERCICE DE CHARGE MENTALE: MODE DIFFICILE</a:t>
+            </a:r>
+          </a:p>
+        </p:txBody>
+      </p:sp>
+      <p:sp>
+        <p:nvSpPr>
+          <p:cNvPr id="3" name="Rectangle 2"/>
+          <p:cNvSpPr/>
+          <p:nvPr/>
+        </p:nvSpPr>
+        <p:spPr>
+          <a:xfrm>
+            <a:off x="941696" y="5403208"/>
+            <a:ext cx="10668000" cy="1277273"/>
+          </a:xfrm>
+          <a:prstGeom prst="rect">
+            <a:avLst/>
+          </a:prstGeom>
+        </p:spPr>
+        <p:txBody>
+          <a:bodyPr wrap="square">
+            <a:spAutoFit/>
+          </a:bodyPr>
+          <a:lstStyle/>
+          <a:p>
+            <a:pPr algn="ctr">
+              <a:spcAft>
+                <a:spcPts val="600"/>
+              </a:spcAft>
+            </a:pPr>
+            <a:r>
+              <a:rPr lang="fr-FR" sz="2400" dirty="0"/>
+              <a:t>Vous devrez donc détecter ces changements sans indice extérieur, en maintenant simultanément votre attention sur les deux positions possibles de la cible.</a:t>
+            </a:r>
+          </a:p>
+          <a:p>
+            <a:pPr algn="ctr">
+              <a:spcAft>
+                <a:spcPts val="600"/>
+              </a:spcAft>
+            </a:pPr>
+            <a:r>
+              <a:rPr lang="fr-FR" sz="2400" dirty="0"/>
+              <a:t>Comme vous le verrez, ceci augmente nettement la charge mentale.</a:t>
             </a:r>
           </a:p>
         </p:txBody>
@@ -3791,7 +3826,7 @@
     </p:spTree>
     <p:extLst>
       <p:ext uri="{BB962C8B-B14F-4D97-AF65-F5344CB8AC3E}">
-        <p14:creationId xmlns:p14="http://schemas.microsoft.com/office/powerpoint/2010/main" val="2365877826"/>
+        <p14:creationId xmlns:p14="http://schemas.microsoft.com/office/powerpoint/2010/main" val="2797483770"/>
       </p:ext>
     </p:extLst>
   </p:cSld>
@@ -3826,8 +3861,8 @@
         </p:nvSpPr>
         <p:spPr>
           <a:xfrm>
-            <a:off x="975815" y="1205836"/>
-            <a:ext cx="10240370" cy="5139869"/>
+            <a:off x="979748" y="1037513"/>
+            <a:ext cx="10232504" cy="5201424"/>
           </a:xfrm>
           <a:prstGeom prst="rect">
             <a:avLst/>
@@ -3846,128 +3881,8 @@
               </a:spcAft>
             </a:pPr>
             <a:r>
-              <a:rPr lang="en-GB" sz="2400" dirty="0"/>
-              <a:t>Le test </a:t>
-            </a:r>
-            <a:r>
-              <a:rPr lang="en-GB" sz="2400" dirty="0" err="1"/>
-              <a:t>comprend</a:t>
-            </a:r>
-            <a:r>
-              <a:rPr lang="en-GB" sz="2400" dirty="0"/>
-              <a:t> 32 </a:t>
-            </a:r>
-            <a:r>
-              <a:rPr lang="en-GB" sz="2400" dirty="0" err="1"/>
-              <a:t>exercices</a:t>
-            </a:r>
-            <a:r>
-              <a:rPr lang="en-GB" sz="2400" dirty="0"/>
-              <a:t> </a:t>
-            </a:r>
-            <a:r>
-              <a:rPr lang="en-GB" sz="2400" dirty="0" err="1"/>
-              <a:t>en</a:t>
-            </a:r>
-            <a:r>
-              <a:rPr lang="en-GB" sz="2400" dirty="0"/>
-              <a:t> tout. </a:t>
-            </a:r>
-            <a:r>
-              <a:rPr lang="en-GB" sz="2400" dirty="0" err="1"/>
-              <a:t>Cela</a:t>
-            </a:r>
-            <a:r>
-              <a:rPr lang="en-GB" sz="2400" dirty="0"/>
-              <a:t> </a:t>
-            </a:r>
-            <a:r>
-              <a:rPr lang="en-GB" sz="2400" dirty="0" err="1"/>
-              <a:t>dit</a:t>
-            </a:r>
-            <a:r>
-              <a:rPr lang="en-GB" sz="2400" dirty="0"/>
-              <a:t>, </a:t>
-            </a:r>
-            <a:r>
-              <a:rPr lang="en-GB" sz="2400" dirty="0" err="1"/>
-              <a:t>vous</a:t>
-            </a:r>
-            <a:r>
-              <a:rPr lang="en-GB" sz="2400" dirty="0"/>
-              <a:t> </a:t>
-            </a:r>
-            <a:r>
-              <a:rPr lang="en-GB" sz="2400" dirty="0" err="1"/>
-              <a:t>pouvez</a:t>
-            </a:r>
-            <a:r>
-              <a:rPr lang="en-GB" sz="2400" dirty="0"/>
-              <a:t> </a:t>
-            </a:r>
-            <a:r>
-              <a:rPr lang="en-GB" sz="2400" dirty="0" err="1"/>
-              <a:t>gérer</a:t>
-            </a:r>
-            <a:r>
-              <a:rPr lang="en-GB" sz="2400" dirty="0"/>
-              <a:t> </a:t>
-            </a:r>
-            <a:r>
-              <a:rPr lang="en-GB" sz="2400" dirty="0" err="1"/>
-              <a:t>votre</a:t>
-            </a:r>
-            <a:r>
-              <a:rPr lang="en-GB" sz="2400" dirty="0"/>
-              <a:t> charge </a:t>
-            </a:r>
-            <a:r>
-              <a:rPr lang="en-GB" sz="2400" dirty="0" err="1"/>
-              <a:t>mentale</a:t>
-            </a:r>
-            <a:r>
-              <a:rPr lang="en-GB" sz="2400" dirty="0"/>
-              <a:t> </a:t>
-            </a:r>
-            <a:r>
-              <a:rPr lang="en-GB" sz="2400" dirty="0" err="1"/>
-              <a:t>en</a:t>
-            </a:r>
-            <a:r>
-              <a:rPr lang="en-GB" sz="2400" dirty="0"/>
-              <a:t> </a:t>
-            </a:r>
-            <a:r>
-              <a:rPr lang="en-GB" sz="2400" dirty="0" err="1"/>
-              <a:t>choisissant</a:t>
-            </a:r>
-            <a:r>
-              <a:rPr lang="en-GB" sz="2400" dirty="0"/>
-              <a:t> de ne pas </a:t>
-            </a:r>
-            <a:r>
-              <a:rPr lang="en-GB" sz="2400" dirty="0" err="1"/>
-              <a:t>effectuer</a:t>
-            </a:r>
-            <a:r>
-              <a:rPr lang="en-GB" sz="2400" dirty="0"/>
-              <a:t> </a:t>
-            </a:r>
-            <a:r>
-              <a:rPr lang="en-GB" sz="2400" dirty="0" err="1"/>
-              <a:t>certains</a:t>
-            </a:r>
-            <a:r>
-              <a:rPr lang="en-GB" sz="2400" dirty="0"/>
-              <a:t> des </a:t>
-            </a:r>
-            <a:r>
-              <a:rPr lang="en-GB" sz="2400" dirty="0" err="1"/>
-              <a:t>exercices</a:t>
-            </a:r>
-            <a:r>
-              <a:rPr lang="en-GB" sz="2400" dirty="0"/>
-              <a:t>.</a:t>
+              <a:rPr lang="fr-FR" sz="2400" dirty="0"/>
+              <a:t>Pour chaque exercice, et quel que soit le mode de difficulté, il y a 32 chiffres cibles chiffres à détecter.</a:t>
             </a:r>
           </a:p>
           <a:p>
@@ -3976,7 +3891,7 @@
                 <a:spcPts val="600"/>
               </a:spcAft>
             </a:pPr>
-            <a:endParaRPr lang="en-GB" sz="2400" dirty="0"/>
+            <a:endParaRPr lang="fr-FR" sz="1100" dirty="0"/>
           </a:p>
           <a:p>
             <a:pPr algn="ctr">
@@ -3985,64 +3900,8 @@
               </a:spcAft>
             </a:pPr>
             <a:r>
-              <a:rPr lang="en-GB" sz="2400" dirty="0"/>
-              <a:t>Avant </a:t>
-            </a:r>
-            <a:r>
-              <a:rPr lang="en-GB" sz="2400" dirty="0" err="1"/>
-              <a:t>chaque</a:t>
-            </a:r>
-            <a:r>
-              <a:rPr lang="en-GB" sz="2400" dirty="0"/>
-              <a:t> </a:t>
-            </a:r>
-            <a:r>
-              <a:rPr lang="en-GB" sz="2400" dirty="0" err="1"/>
-              <a:t>exercice</a:t>
-            </a:r>
-            <a:r>
-              <a:rPr lang="en-GB" sz="2400" dirty="0"/>
-              <a:t>, nous </a:t>
-            </a:r>
-            <a:r>
-              <a:rPr lang="en-GB" sz="2400" dirty="0" err="1"/>
-              <a:t>vous</a:t>
-            </a:r>
-            <a:r>
-              <a:rPr lang="en-GB" sz="2400" dirty="0"/>
-              <a:t> </a:t>
-            </a:r>
-            <a:r>
-              <a:rPr lang="en-GB" sz="2400" dirty="0" err="1"/>
-              <a:t>indiquerons</a:t>
-            </a:r>
-            <a:r>
-              <a:rPr lang="en-GB" sz="2400" dirty="0"/>
-              <a:t> </a:t>
-            </a:r>
-            <a:r>
-              <a:rPr lang="en-GB" sz="2400" dirty="0" err="1"/>
-              <a:t>sa</a:t>
-            </a:r>
-            <a:r>
-              <a:rPr lang="en-GB" sz="2400" dirty="0"/>
-              <a:t> </a:t>
-            </a:r>
-            <a:r>
-              <a:rPr lang="en-GB" sz="2400" dirty="0" err="1"/>
-              <a:t>difficulté</a:t>
-            </a:r>
-            <a:r>
-              <a:rPr lang="en-GB" sz="2400" dirty="0"/>
-              <a:t> et le bonus </a:t>
-            </a:r>
-            <a:r>
-              <a:rPr lang="en-GB" sz="2400" dirty="0" err="1"/>
-              <a:t>associé</a:t>
-            </a:r>
-            <a:r>
-              <a:rPr lang="en-GB" sz="2400" dirty="0"/>
-              <a:t>.</a:t>
+              <a:rPr lang="fr-FR" sz="2400" dirty="0"/>
+              <a:t>Pour obtenir le bonus, vous devrez détecter correctement au moins 28 chiffres cibles chiffres. Vous devez donc rater strictement moins de 5 cibles.</a:t>
             </a:r>
           </a:p>
           <a:p>
@@ -4051,7 +3910,10 @@
                 <a:spcPts val="600"/>
               </a:spcAft>
             </a:pPr>
-            <a:endParaRPr lang="en-GB" sz="2400" dirty="0"/>
+            <a:r>
+              <a:rPr lang="fr-FR" sz="2400" dirty="0"/>
+              <a:t>Ce n’est pas tout : appuyer sur la barre espace alors qu’il n’y avait pas de chiffre cible présent sur l’écran est aussi considéré comme une erreur. Pour obtenir le bonus, il vous faudra faire strictement moins de 5 erreurs de ce type.</a:t>
+            </a:r>
           </a:p>
           <a:p>
             <a:pPr algn="ctr">
@@ -4059,66 +3921,7 @@
                 <a:spcPts val="600"/>
               </a:spcAft>
             </a:pPr>
-            <a:r>
-              <a:rPr lang="en-GB" sz="2400" dirty="0" err="1"/>
-              <a:t>Vous</a:t>
-            </a:r>
-            <a:r>
-              <a:rPr lang="en-GB" sz="2400" dirty="0"/>
-              <a:t> </a:t>
-            </a:r>
-            <a:r>
-              <a:rPr lang="en-GB" sz="2400" dirty="0" err="1"/>
-              <a:t>pourrez</a:t>
-            </a:r>
-            <a:r>
-              <a:rPr lang="en-GB" sz="2400" dirty="0"/>
-              <a:t> </a:t>
-            </a:r>
-            <a:r>
-              <a:rPr lang="en-GB" sz="2400" dirty="0" err="1"/>
-              <a:t>soit</a:t>
-            </a:r>
-            <a:r>
-              <a:rPr lang="en-GB" sz="2400" dirty="0"/>
-              <a:t> accepter </a:t>
-            </a:r>
-            <a:r>
-              <a:rPr lang="en-GB" sz="2400" dirty="0" err="1"/>
-              <a:t>d’effectuer</a:t>
-            </a:r>
-            <a:r>
-              <a:rPr lang="en-GB" sz="2400" dirty="0"/>
-              <a:t> </a:t>
-            </a:r>
-            <a:r>
-              <a:rPr lang="en-GB" sz="2400" dirty="0" err="1"/>
-              <a:t>l’exercice</a:t>
-            </a:r>
-            <a:r>
-              <a:rPr lang="en-GB" sz="2400" dirty="0"/>
-              <a:t> (</a:t>
-            </a:r>
-            <a:r>
-              <a:rPr lang="en-GB" sz="2400" dirty="0" err="1"/>
-              <a:t>en</a:t>
-            </a:r>
-            <a:r>
-              <a:rPr lang="en-GB" sz="2400" dirty="0"/>
-              <a:t> </a:t>
-            </a:r>
-            <a:r>
-              <a:rPr lang="en-GB" sz="2400" dirty="0" err="1"/>
-              <a:t>cliquant</a:t>
-            </a:r>
-            <a:r>
-              <a:rPr lang="en-GB" sz="2400" dirty="0"/>
-              <a:t> </a:t>
-            </a:r>
-            <a:r>
-              <a:rPr lang="fr-FR" sz="2400" dirty="0"/>
-              <a:t>« J’accepte »), soit refuser (en cliquant « Je refuse ») d’effectuer l’exercice.</a:t>
-            </a:r>
+            <a:endParaRPr lang="fr-FR" sz="1100" dirty="0"/>
           </a:p>
           <a:p>
             <a:pPr algn="ctr">
@@ -4126,7 +3929,10 @@
                 <a:spcPts val="600"/>
               </a:spcAft>
             </a:pPr>
-            <a:endParaRPr lang="en-GB" sz="2400" dirty="0"/>
+            <a:r>
+              <a:rPr lang="fr-FR" sz="2400" dirty="0"/>
+              <a:t>Vous devez donc appuyer sur la barre d’espace si, et seulement si, vous venez d’apercevoir le chiffre cible.</a:t>
+            </a:r>
           </a:p>
           <a:p>
             <a:pPr algn="ctr">
@@ -4134,74 +3940,7 @@
                 <a:spcPts val="600"/>
               </a:spcAft>
             </a:pPr>
-            <a:r>
-              <a:rPr lang="en-GB" sz="2400" dirty="0"/>
-              <a:t>Si </a:t>
-            </a:r>
-            <a:r>
-              <a:rPr lang="en-GB" sz="2400" dirty="0" err="1"/>
-              <a:t>vous</a:t>
-            </a:r>
-            <a:r>
-              <a:rPr lang="en-GB" sz="2400" dirty="0"/>
-              <a:t> </a:t>
-            </a:r>
-            <a:r>
-              <a:rPr lang="en-GB" sz="2400" dirty="0" err="1"/>
-              <a:t>refusez</a:t>
-            </a:r>
-            <a:r>
-              <a:rPr lang="en-GB" sz="2400" dirty="0"/>
-              <a:t>, et que </a:t>
-            </a:r>
-            <a:r>
-              <a:rPr lang="en-GB" sz="2400" dirty="0" err="1"/>
-              <a:t>cet</a:t>
-            </a:r>
-            <a:r>
-              <a:rPr lang="en-GB" sz="2400" dirty="0"/>
-              <a:t> </a:t>
-            </a:r>
-            <a:r>
-              <a:rPr lang="en-GB" sz="2400" dirty="0" err="1"/>
-              <a:t>exercice</a:t>
-            </a:r>
-            <a:r>
-              <a:rPr lang="en-GB" sz="2400" dirty="0"/>
-              <a:t> </a:t>
-            </a:r>
-            <a:r>
-              <a:rPr lang="en-GB" sz="2400" dirty="0" err="1"/>
-              <a:t>est</a:t>
-            </a:r>
-            <a:r>
-              <a:rPr lang="en-GB" sz="2400" dirty="0"/>
-              <a:t> </a:t>
-            </a:r>
-            <a:r>
-              <a:rPr lang="en-GB" sz="2400" dirty="0" err="1"/>
-              <a:t>tiré</a:t>
-            </a:r>
-            <a:r>
-              <a:rPr lang="en-GB" sz="2400" dirty="0"/>
-              <a:t> au sort, </a:t>
-            </a:r>
-            <a:r>
-              <a:rPr lang="en-GB" sz="2400" dirty="0" err="1"/>
-              <a:t>vous</a:t>
-            </a:r>
-            <a:r>
-              <a:rPr lang="en-GB" sz="2400" dirty="0"/>
-              <a:t> ne </a:t>
-            </a:r>
-            <a:r>
-              <a:rPr lang="fr-FR" sz="2400" dirty="0"/>
-              <a:t>recevrez</a:t>
-            </a:r>
-            <a:r>
-              <a:rPr lang="en-GB" sz="2400" dirty="0"/>
-              <a:t> pas le bonus.</a:t>
-            </a:r>
+            <a:endParaRPr lang="fr-FR" sz="1100" dirty="0"/>
           </a:p>
           <a:p>
             <a:pPr algn="ctr">
@@ -4209,105 +3948,9 @@
                 <a:spcPts val="600"/>
               </a:spcAft>
             </a:pPr>
-            <a:endParaRPr lang="en-GB" sz="2400" dirty="0"/>
-          </a:p>
-          <a:p>
-            <a:pPr algn="ctr">
-              <a:spcAft>
-                <a:spcPts val="600"/>
-              </a:spcAft>
-            </a:pPr>
-            <a:r>
-              <a:rPr lang="en-GB" sz="2400" dirty="0"/>
-              <a:t>Par </a:t>
-            </a:r>
-            <a:r>
-              <a:rPr lang="en-GB" sz="2400" dirty="0" err="1"/>
-              <a:t>ailleurs</a:t>
-            </a:r>
-            <a:r>
-              <a:rPr lang="en-GB" sz="2400" dirty="0"/>
-              <a:t>, </a:t>
-            </a:r>
-            <a:r>
-              <a:rPr lang="en-GB" sz="2400" dirty="0" err="1"/>
-              <a:t>vous</a:t>
-            </a:r>
-            <a:r>
-              <a:rPr lang="en-GB" sz="2400" dirty="0"/>
-              <a:t> </a:t>
-            </a:r>
-            <a:r>
-              <a:rPr lang="en-GB" sz="2400" dirty="0" err="1"/>
-              <a:t>devrez</a:t>
-            </a:r>
-            <a:r>
-              <a:rPr lang="en-GB" sz="2400" dirty="0"/>
-              <a:t> </a:t>
-            </a:r>
-            <a:r>
-              <a:rPr lang="en-GB" sz="2400" dirty="0" err="1"/>
-              <a:t>attendre</a:t>
-            </a:r>
-            <a:r>
-              <a:rPr lang="en-GB" sz="2400" dirty="0"/>
-              <a:t> le temps </a:t>
-            </a:r>
-            <a:r>
-              <a:rPr lang="en-GB" sz="2400" dirty="0" err="1"/>
-              <a:t>qu’ils</a:t>
-            </a:r>
-            <a:r>
-              <a:rPr lang="en-GB" sz="2400" dirty="0"/>
-              <a:t> </a:t>
-            </a:r>
-            <a:r>
-              <a:rPr lang="en-GB" sz="2400" dirty="0" err="1"/>
-              <a:t>vous</a:t>
-            </a:r>
-            <a:r>
-              <a:rPr lang="en-GB" sz="2400" dirty="0"/>
-              <a:t> </a:t>
-            </a:r>
-            <a:r>
-              <a:rPr lang="en-GB" sz="2400" dirty="0" err="1"/>
-              <a:t>aurait</a:t>
-            </a:r>
-            <a:r>
-              <a:rPr lang="en-GB" sz="2400" dirty="0"/>
-              <a:t> </a:t>
-            </a:r>
-            <a:r>
-              <a:rPr lang="en-GB" sz="2400" dirty="0" err="1"/>
-              <a:t>fallu</a:t>
-            </a:r>
-            <a:r>
-              <a:rPr lang="en-GB" sz="2400" dirty="0"/>
-              <a:t> pour </a:t>
-            </a:r>
-            <a:r>
-              <a:rPr lang="en-GB" sz="2400" dirty="0" err="1"/>
-              <a:t>compléter</a:t>
-            </a:r>
-            <a:r>
-              <a:rPr lang="en-GB" sz="2400" dirty="0"/>
-              <a:t> </a:t>
-            </a:r>
-            <a:r>
-              <a:rPr lang="en-GB" sz="2400" dirty="0" err="1"/>
-              <a:t>l’exercice</a:t>
-            </a:r>
-            <a:r>
-              <a:rPr lang="en-GB" sz="2400" dirty="0"/>
-              <a:t> (80 </a:t>
-            </a:r>
             <a:r>
               <a:rPr lang="fr-FR" sz="2400" dirty="0"/>
-              <a:t>secondes</a:t>
-            </a:r>
-            <a:r>
-              <a:rPr lang="en-GB" sz="2400" dirty="0"/>
-              <a:t>).</a:t>
+              <a:t>A la fin de chaque exercice, nous vous indiquerons le nombre d’erreurs que vous avez commises.</a:t>
             </a:r>
           </a:p>
         </p:txBody>
@@ -4351,7 +3994,7 @@
                   <a:srgbClr val="0070C0"/>
                 </a:solidFill>
               </a:rPr>
-              <a:t>CHOISISSEZ QUEL EXERCICE VOUS VOULEZ EFFECTUER!</a:t>
+              <a:t>EXERCICE DE CHARGE MENTALE: CALCUL DU BONUS DE PERFORMANCE</a:t>
             </a:r>
           </a:p>
         </p:txBody>
@@ -4359,7 +4002,7 @@
     </p:spTree>
     <p:extLst>
       <p:ext uri="{BB962C8B-B14F-4D97-AF65-F5344CB8AC3E}">
-        <p14:creationId xmlns:p14="http://schemas.microsoft.com/office/powerpoint/2010/main" val="1917199260"/>
+        <p14:creationId xmlns:p14="http://schemas.microsoft.com/office/powerpoint/2010/main" val="2365877826"/>
       </p:ext>
     </p:extLst>
   </p:cSld>
@@ -4394,8 +4037,8 @@
         </p:nvSpPr>
         <p:spPr>
           <a:xfrm>
-            <a:off x="491319" y="1001346"/>
-            <a:ext cx="11022842" cy="1277273"/>
+            <a:off x="975815" y="1205836"/>
+            <a:ext cx="10240370" cy="5139869"/>
           </a:xfrm>
           <a:prstGeom prst="rect">
             <a:avLst/>
@@ -4414,8 +4057,128 @@
               </a:spcAft>
             </a:pPr>
             <a:r>
-              <a:rPr lang="fr-FR" sz="2400" dirty="0"/>
-              <a:t>Chaque exercice dure 80 secondes. </a:t>
+              <a:rPr lang="en-GB" sz="2400" dirty="0"/>
+              <a:t>Le test </a:t>
+            </a:r>
+            <a:r>
+              <a:rPr lang="en-GB" sz="2400" dirty="0" err="1"/>
+              <a:t>comprend</a:t>
+            </a:r>
+            <a:r>
+              <a:rPr lang="en-GB" sz="2400" dirty="0"/>
+              <a:t> 32 </a:t>
+            </a:r>
+            <a:r>
+              <a:rPr lang="en-GB" sz="2400" dirty="0" err="1"/>
+              <a:t>exercices</a:t>
+            </a:r>
+            <a:r>
+              <a:rPr lang="en-GB" sz="2400" dirty="0"/>
+              <a:t> </a:t>
+            </a:r>
+            <a:r>
+              <a:rPr lang="en-GB" sz="2400" dirty="0" err="1"/>
+              <a:t>en</a:t>
+            </a:r>
+            <a:r>
+              <a:rPr lang="en-GB" sz="2400" dirty="0"/>
+              <a:t> tout. </a:t>
+            </a:r>
+            <a:r>
+              <a:rPr lang="en-GB" sz="2400" dirty="0" err="1"/>
+              <a:t>Cela</a:t>
+            </a:r>
+            <a:r>
+              <a:rPr lang="en-GB" sz="2400" dirty="0"/>
+              <a:t> </a:t>
+            </a:r>
+            <a:r>
+              <a:rPr lang="en-GB" sz="2400" dirty="0" err="1"/>
+              <a:t>dit</a:t>
+            </a:r>
+            <a:r>
+              <a:rPr lang="en-GB" sz="2400" dirty="0"/>
+              <a:t>, </a:t>
+            </a:r>
+            <a:r>
+              <a:rPr lang="en-GB" sz="2400" dirty="0" err="1"/>
+              <a:t>vous</a:t>
+            </a:r>
+            <a:r>
+              <a:rPr lang="en-GB" sz="2400" dirty="0"/>
+              <a:t> </a:t>
+            </a:r>
+            <a:r>
+              <a:rPr lang="en-GB" sz="2400" dirty="0" err="1"/>
+              <a:t>pouvez</a:t>
+            </a:r>
+            <a:r>
+              <a:rPr lang="en-GB" sz="2400" dirty="0"/>
+              <a:t> </a:t>
+            </a:r>
+            <a:r>
+              <a:rPr lang="en-GB" sz="2400" dirty="0" err="1"/>
+              <a:t>gérer</a:t>
+            </a:r>
+            <a:r>
+              <a:rPr lang="en-GB" sz="2400" dirty="0"/>
+              <a:t> </a:t>
+            </a:r>
+            <a:r>
+              <a:rPr lang="en-GB" sz="2400" dirty="0" err="1"/>
+              <a:t>votre</a:t>
+            </a:r>
+            <a:r>
+              <a:rPr lang="en-GB" sz="2400" dirty="0"/>
+              <a:t> charge </a:t>
+            </a:r>
+            <a:r>
+              <a:rPr lang="en-GB" sz="2400" dirty="0" err="1"/>
+              <a:t>mentale</a:t>
+            </a:r>
+            <a:r>
+              <a:rPr lang="en-GB" sz="2400" dirty="0"/>
+              <a:t> </a:t>
+            </a:r>
+            <a:r>
+              <a:rPr lang="en-GB" sz="2400" dirty="0" err="1"/>
+              <a:t>en</a:t>
+            </a:r>
+            <a:r>
+              <a:rPr lang="en-GB" sz="2400" dirty="0"/>
+              <a:t> </a:t>
+            </a:r>
+            <a:r>
+              <a:rPr lang="en-GB" sz="2400" dirty="0" err="1"/>
+              <a:t>choisissant</a:t>
+            </a:r>
+            <a:r>
+              <a:rPr lang="en-GB" sz="2400" dirty="0"/>
+              <a:t> de ne pas </a:t>
+            </a:r>
+            <a:r>
+              <a:rPr lang="en-GB" sz="2400" dirty="0" err="1"/>
+              <a:t>effectuer</a:t>
+            </a:r>
+            <a:r>
+              <a:rPr lang="en-GB" sz="2400" dirty="0"/>
+              <a:t> </a:t>
+            </a:r>
+            <a:r>
+              <a:rPr lang="en-GB" sz="2400" dirty="0" err="1"/>
+              <a:t>certains</a:t>
+            </a:r>
+            <a:r>
+              <a:rPr lang="en-GB" sz="2400" dirty="0"/>
+              <a:t> des </a:t>
+            </a:r>
+            <a:r>
+              <a:rPr lang="en-GB" sz="2400" dirty="0" err="1"/>
+              <a:t>exercices</a:t>
+            </a:r>
+            <a:r>
+              <a:rPr lang="en-GB" sz="2400" dirty="0"/>
+              <a:t>.</a:t>
             </a:r>
           </a:p>
           <a:p>
@@ -4424,98 +4187,345 @@
                 <a:spcPts val="600"/>
               </a:spcAft>
             </a:pPr>
+            <a:endParaRPr lang="en-GB" sz="2400" dirty="0"/>
+          </a:p>
+          <a:p>
+            <a:pPr algn="ctr">
+              <a:spcAft>
+                <a:spcPts val="600"/>
+              </a:spcAft>
+            </a:pPr>
+            <a:r>
+              <a:rPr lang="en-GB" sz="2400" dirty="0"/>
+              <a:t>Avant </a:t>
+            </a:r>
+            <a:r>
+              <a:rPr lang="en-GB" sz="2400" dirty="0" err="1"/>
+              <a:t>chaque</a:t>
+            </a:r>
+            <a:r>
+              <a:rPr lang="en-GB" sz="2400" dirty="0"/>
+              <a:t> </a:t>
+            </a:r>
+            <a:r>
+              <a:rPr lang="en-GB" sz="2400" dirty="0" err="1"/>
+              <a:t>exercice</a:t>
+            </a:r>
+            <a:r>
+              <a:rPr lang="en-GB" sz="2400" dirty="0"/>
+              <a:t>, nous </a:t>
+            </a:r>
+            <a:r>
+              <a:rPr lang="en-GB" sz="2400" dirty="0" err="1"/>
+              <a:t>vous</a:t>
+            </a:r>
+            <a:r>
+              <a:rPr lang="en-GB" sz="2400" dirty="0"/>
+              <a:t> </a:t>
+            </a:r>
+            <a:r>
+              <a:rPr lang="en-GB" sz="2400" dirty="0" err="1"/>
+              <a:t>indiquerons</a:t>
+            </a:r>
+            <a:r>
+              <a:rPr lang="en-GB" sz="2400" dirty="0"/>
+              <a:t> </a:t>
+            </a:r>
+            <a:r>
+              <a:rPr lang="en-GB" sz="2400" dirty="0" err="1"/>
+              <a:t>sa</a:t>
+            </a:r>
+            <a:r>
+              <a:rPr lang="en-GB" sz="2400" dirty="0"/>
+              <a:t> </a:t>
+            </a:r>
+            <a:r>
+              <a:rPr lang="en-GB" sz="2400" dirty="0" err="1"/>
+              <a:t>difficulté</a:t>
+            </a:r>
+            <a:r>
+              <a:rPr lang="en-GB" sz="2400" dirty="0"/>
+              <a:t> et le bonus </a:t>
+            </a:r>
+            <a:r>
+              <a:rPr lang="en-GB" sz="2400" dirty="0" err="1"/>
+              <a:t>associé</a:t>
+            </a:r>
+            <a:r>
+              <a:rPr lang="en-GB" sz="2400" dirty="0"/>
+              <a:t>.</a:t>
+            </a:r>
+          </a:p>
+          <a:p>
+            <a:pPr algn="ctr">
+              <a:spcAft>
+                <a:spcPts val="600"/>
+              </a:spcAft>
+            </a:pPr>
+            <a:endParaRPr lang="en-GB" sz="2400" dirty="0"/>
+          </a:p>
+          <a:p>
+            <a:pPr algn="ctr">
+              <a:spcAft>
+                <a:spcPts val="600"/>
+              </a:spcAft>
+            </a:pPr>
+            <a:r>
+              <a:rPr lang="en-GB" sz="2400" dirty="0" err="1"/>
+              <a:t>Vous</a:t>
+            </a:r>
+            <a:r>
+              <a:rPr lang="en-GB" sz="2400" dirty="0"/>
+              <a:t> </a:t>
+            </a:r>
+            <a:r>
+              <a:rPr lang="en-GB" sz="2400" dirty="0" err="1"/>
+              <a:t>pourrez</a:t>
+            </a:r>
+            <a:r>
+              <a:rPr lang="en-GB" sz="2400" dirty="0"/>
+              <a:t> </a:t>
+            </a:r>
+            <a:r>
+              <a:rPr lang="en-GB" sz="2400" dirty="0" err="1"/>
+              <a:t>soit</a:t>
+            </a:r>
+            <a:r>
+              <a:rPr lang="en-GB" sz="2400" dirty="0"/>
+              <a:t> accepter </a:t>
+            </a:r>
+            <a:r>
+              <a:rPr lang="en-GB" sz="2400" dirty="0" err="1"/>
+              <a:t>d’effectuer</a:t>
+            </a:r>
+            <a:r>
+              <a:rPr lang="en-GB" sz="2400" dirty="0"/>
+              <a:t> </a:t>
+            </a:r>
+            <a:r>
+              <a:rPr lang="en-GB" sz="2400" dirty="0" err="1"/>
+              <a:t>l’exercice</a:t>
+            </a:r>
+            <a:r>
+              <a:rPr lang="en-GB" sz="2400" dirty="0"/>
+              <a:t> (</a:t>
+            </a:r>
+            <a:r>
+              <a:rPr lang="en-GB" sz="2400" dirty="0" err="1"/>
+              <a:t>en</a:t>
+            </a:r>
+            <a:r>
+              <a:rPr lang="en-GB" sz="2400" dirty="0"/>
+              <a:t> </a:t>
+            </a:r>
+            <a:r>
+              <a:rPr lang="en-GB" sz="2400" dirty="0" err="1"/>
+              <a:t>cliquant</a:t>
+            </a:r>
+            <a:r>
+              <a:rPr lang="en-GB" sz="2400" dirty="0"/>
+              <a:t> </a:t>
+            </a:r>
             <a:r>
               <a:rPr lang="fr-FR" sz="2400" dirty="0"/>
-              <a:t>Si l’effort qui vous est demandé est trop important, vous avez la possibilité d’arrêter l’exercice à tout moment, en appuyant sur la touche « Entrée ».</a:t>
-            </a:r>
-            <a:endParaRPr lang="fr-FR" sz="2400" b="1" dirty="0"/>
-          </a:p>
-        </p:txBody>
-      </p:sp>
-      <p:sp>
-        <p:nvSpPr>
-          <p:cNvPr id="9" name="Rectangle 8"/>
-          <p:cNvSpPr/>
-          <p:nvPr/>
-        </p:nvSpPr>
-        <p:spPr>
-          <a:xfrm>
-            <a:off x="3554499" y="2575778"/>
-            <a:ext cx="5083002" cy="3026364"/>
-          </a:xfrm>
-          <a:prstGeom prst="rect">
-            <a:avLst/>
-          </a:prstGeom>
-          <a:noFill/>
-          <a:ln w="76200">
-            <a:solidFill>
-              <a:schemeClr val="bg1">
-                <a:lumMod val="65000"/>
-              </a:schemeClr>
-            </a:solidFill>
-          </a:ln>
-        </p:spPr>
-        <p:style>
-          <a:lnRef idx="2">
-            <a:schemeClr val="accent1">
-              <a:shade val="50000"/>
-            </a:schemeClr>
-          </a:lnRef>
-          <a:fillRef idx="1">
-            <a:schemeClr val="accent1"/>
-          </a:fillRef>
-          <a:effectRef idx="0">
-            <a:schemeClr val="accent1"/>
-          </a:effectRef>
-          <a:fontRef idx="minor">
-            <a:schemeClr val="lt1"/>
-          </a:fontRef>
-        </p:style>
-        <p:txBody>
-          <a:bodyPr rtlCol="0" anchor="ctr"/>
-          <a:lstStyle/>
-          <a:p>
-            <a:pPr algn="ctr"/>
-            <a:endParaRPr lang="en-GB">
-              <a:solidFill>
-                <a:schemeClr val="tx1"/>
-              </a:solidFill>
-            </a:endParaRPr>
-          </a:p>
-        </p:txBody>
-      </p:sp>
-      <p:pic>
-        <p:nvPicPr>
-          <p:cNvPr id="3" name="Picture 2">
-            <a:extLst>
-              <a:ext uri="{FF2B5EF4-FFF2-40B4-BE49-F238E27FC236}">
-                <a16:creationId xmlns:a16="http://schemas.microsoft.com/office/drawing/2014/main" id="{7D27EF53-AA60-4A88-8604-F2EA6CAF18FC}"/>
-              </a:ext>
-            </a:extLst>
-          </p:cNvPr>
-          <p:cNvPicPr>
-            <a:picLocks noChangeAspect="1"/>
-          </p:cNvPicPr>
-          <p:nvPr/>
-        </p:nvPicPr>
-        <p:blipFill rotWithShape="1">
-          <a:blip r:embed="rId2"/>
-          <a:srcRect l="31378" t="41159" r="31808" b="34915"/>
-          <a:stretch/>
-        </p:blipFill>
-        <p:spPr>
-          <a:xfrm>
-            <a:off x="3825636" y="3329153"/>
-            <a:ext cx="4488272" cy="1640838"/>
-          </a:xfrm>
-          <a:prstGeom prst="rect">
-            <a:avLst/>
-          </a:prstGeom>
-        </p:spPr>
-      </p:pic>
-      <p:sp>
-        <p:nvSpPr>
-          <p:cNvPr id="10" name="ZoneTexte 9"/>
+              <a:t>« J’accepte »), soit refuser (en cliquant « Je refuse ») d’effectuer l’exercice.</a:t>
+            </a:r>
+          </a:p>
+          <a:p>
+            <a:pPr algn="ctr">
+              <a:spcAft>
+                <a:spcPts val="600"/>
+              </a:spcAft>
+            </a:pPr>
+            <a:endParaRPr lang="en-GB" sz="2400" dirty="0"/>
+          </a:p>
+          <a:p>
+            <a:pPr algn="ctr">
+              <a:spcAft>
+                <a:spcPts val="600"/>
+              </a:spcAft>
+            </a:pPr>
+            <a:r>
+              <a:rPr lang="en-GB" sz="2400" dirty="0"/>
+              <a:t>Si </a:t>
+            </a:r>
+            <a:r>
+              <a:rPr lang="en-GB" sz="2400" dirty="0" err="1"/>
+              <a:t>vous</a:t>
+            </a:r>
+            <a:r>
+              <a:rPr lang="en-GB" sz="2400" dirty="0"/>
+              <a:t> </a:t>
+            </a:r>
+            <a:r>
+              <a:rPr lang="en-GB" sz="2400" dirty="0" err="1"/>
+              <a:t>refusez</a:t>
+            </a:r>
+            <a:r>
+              <a:rPr lang="en-GB" sz="2400" dirty="0"/>
+              <a:t>, et que </a:t>
+            </a:r>
+            <a:r>
+              <a:rPr lang="en-GB" sz="2400" dirty="0" err="1"/>
+              <a:t>cet</a:t>
+            </a:r>
+            <a:r>
+              <a:rPr lang="en-GB" sz="2400" dirty="0"/>
+              <a:t> </a:t>
+            </a:r>
+            <a:r>
+              <a:rPr lang="en-GB" sz="2400" dirty="0" err="1"/>
+              <a:t>exercice</a:t>
+            </a:r>
+            <a:r>
+              <a:rPr lang="en-GB" sz="2400" dirty="0"/>
+              <a:t> </a:t>
+            </a:r>
+            <a:r>
+              <a:rPr lang="en-GB" sz="2400" dirty="0" err="1"/>
+              <a:t>est</a:t>
+            </a:r>
+            <a:r>
+              <a:rPr lang="en-GB" sz="2400" dirty="0"/>
+              <a:t> </a:t>
+            </a:r>
+            <a:r>
+              <a:rPr lang="en-GB" sz="2400" dirty="0" err="1"/>
+              <a:t>tiré</a:t>
+            </a:r>
+            <a:r>
+              <a:rPr lang="en-GB" sz="2400" dirty="0"/>
+              <a:t> au sort, </a:t>
+            </a:r>
+            <a:r>
+              <a:rPr lang="en-GB" sz="2400" dirty="0" err="1"/>
+              <a:t>vous</a:t>
+            </a:r>
+            <a:r>
+              <a:rPr lang="en-GB" sz="2400" dirty="0"/>
+              <a:t> ne </a:t>
+            </a:r>
+            <a:r>
+              <a:rPr lang="fr-FR" sz="2400" dirty="0"/>
+              <a:t>recevrez</a:t>
+            </a:r>
+            <a:r>
+              <a:rPr lang="en-GB" sz="2400" dirty="0"/>
+              <a:t> pas le bonus.</a:t>
+            </a:r>
+          </a:p>
+          <a:p>
+            <a:pPr algn="ctr">
+              <a:spcAft>
+                <a:spcPts val="600"/>
+              </a:spcAft>
+            </a:pPr>
+            <a:endParaRPr lang="en-GB" sz="2400" dirty="0"/>
+          </a:p>
+          <a:p>
+            <a:pPr algn="ctr">
+              <a:spcAft>
+                <a:spcPts val="600"/>
+              </a:spcAft>
+            </a:pPr>
+            <a:r>
+              <a:rPr lang="en-GB" sz="2400" dirty="0"/>
+              <a:t>Par </a:t>
+            </a:r>
+            <a:r>
+              <a:rPr lang="en-GB" sz="2400" dirty="0" err="1"/>
+              <a:t>ailleurs</a:t>
+            </a:r>
+            <a:r>
+              <a:rPr lang="en-GB" sz="2400" dirty="0"/>
+              <a:t>, </a:t>
+            </a:r>
+            <a:r>
+              <a:rPr lang="en-GB" sz="2400" dirty="0" err="1"/>
+              <a:t>vous</a:t>
+            </a:r>
+            <a:r>
+              <a:rPr lang="en-GB" sz="2400" dirty="0"/>
+              <a:t> </a:t>
+            </a:r>
+            <a:r>
+              <a:rPr lang="en-GB" sz="2400" dirty="0" err="1"/>
+              <a:t>devrez</a:t>
+            </a:r>
+            <a:r>
+              <a:rPr lang="en-GB" sz="2400" dirty="0"/>
+              <a:t> </a:t>
+            </a:r>
+            <a:r>
+              <a:rPr lang="en-GB" sz="2400" dirty="0" err="1"/>
+              <a:t>attendre</a:t>
+            </a:r>
+            <a:r>
+              <a:rPr lang="en-GB" sz="2400" dirty="0"/>
+              <a:t> le temps </a:t>
+            </a:r>
+            <a:r>
+              <a:rPr lang="en-GB" sz="2400" dirty="0" err="1"/>
+              <a:t>qu’ils</a:t>
+            </a:r>
+            <a:r>
+              <a:rPr lang="en-GB" sz="2400" dirty="0"/>
+              <a:t> </a:t>
+            </a:r>
+            <a:r>
+              <a:rPr lang="en-GB" sz="2400" dirty="0" err="1"/>
+              <a:t>vous</a:t>
+            </a:r>
+            <a:r>
+              <a:rPr lang="en-GB" sz="2400" dirty="0"/>
+              <a:t> </a:t>
+            </a:r>
+            <a:r>
+              <a:rPr lang="en-GB" sz="2400" dirty="0" err="1"/>
+              <a:t>aurait</a:t>
+            </a:r>
+            <a:r>
+              <a:rPr lang="en-GB" sz="2400" dirty="0"/>
+              <a:t> </a:t>
+            </a:r>
+            <a:r>
+              <a:rPr lang="en-GB" sz="2400" dirty="0" err="1"/>
+              <a:t>fallu</a:t>
+            </a:r>
+            <a:r>
+              <a:rPr lang="en-GB" sz="2400" dirty="0"/>
+              <a:t> pour </a:t>
+            </a:r>
+            <a:r>
+              <a:rPr lang="en-GB" sz="2400" dirty="0" err="1"/>
+              <a:t>compléter</a:t>
+            </a:r>
+            <a:r>
+              <a:rPr lang="en-GB" sz="2400" dirty="0"/>
+              <a:t> </a:t>
+            </a:r>
+            <a:r>
+              <a:rPr lang="en-GB" sz="2400" dirty="0" err="1"/>
+              <a:t>l’exercice</a:t>
+            </a:r>
+            <a:r>
+              <a:rPr lang="en-GB" sz="2400" dirty="0"/>
+              <a:t> (80 </a:t>
+            </a:r>
+            <a:r>
+              <a:rPr lang="fr-FR" sz="2400" dirty="0"/>
+              <a:t>secondes</a:t>
+            </a:r>
+            <a:r>
+              <a:rPr lang="en-GB" sz="2400" dirty="0"/>
+              <a:t>).</a:t>
+            </a:r>
+          </a:p>
+        </p:txBody>
+      </p:sp>
+      <p:sp>
+        <p:nvSpPr>
+          <p:cNvPr id="6" name="ZoneTexte 5"/>
           <p:cNvSpPr txBox="1"/>
           <p:nvPr/>
         </p:nvSpPr>
@@ -4552,125 +4562,15 @@
                   <a:srgbClr val="0070C0"/>
                 </a:solidFill>
               </a:rPr>
-              <a:t>EXERCICE DE CHARGE MENTALE: ABANDON</a:t>
-            </a:r>
-          </a:p>
-        </p:txBody>
-      </p:sp>
-      <p:sp>
-        <p:nvSpPr>
-          <p:cNvPr id="2" name="Rectangle 1"/>
-          <p:cNvSpPr/>
-          <p:nvPr/>
-        </p:nvSpPr>
-        <p:spPr>
-          <a:xfrm>
-            <a:off x="1480782" y="5817213"/>
-            <a:ext cx="9230436" cy="830997"/>
-          </a:xfrm>
-          <a:prstGeom prst="rect">
-            <a:avLst/>
-          </a:prstGeom>
-        </p:spPr>
-        <p:txBody>
-          <a:bodyPr wrap="square">
-            <a:spAutoFit/>
-          </a:bodyPr>
-          <a:lstStyle/>
-          <a:p>
-            <a:pPr algn="ctr">
-              <a:spcAft>
-                <a:spcPts val="600"/>
-              </a:spcAft>
-            </a:pPr>
-            <a:r>
-              <a:rPr lang="en-GB" sz="2400" dirty="0" err="1"/>
-              <a:t>Vous</a:t>
-            </a:r>
-            <a:r>
-              <a:rPr lang="en-GB" sz="2400" dirty="0"/>
-              <a:t> </a:t>
-            </a:r>
-            <a:r>
-              <a:rPr lang="en-GB" sz="2400" dirty="0" err="1"/>
-              <a:t>pourrez</a:t>
-            </a:r>
-            <a:r>
-              <a:rPr lang="en-GB" sz="2400" dirty="0"/>
-              <a:t> </a:t>
-            </a:r>
-            <a:r>
-              <a:rPr lang="en-GB" sz="2400" dirty="0" err="1"/>
-              <a:t>alors</a:t>
-            </a:r>
-            <a:r>
-              <a:rPr lang="en-GB" sz="2400" dirty="0"/>
-              <a:t> </a:t>
-            </a:r>
-            <a:r>
-              <a:rPr lang="en-GB" sz="2400" dirty="0" err="1"/>
-              <a:t>attendre</a:t>
-            </a:r>
-            <a:r>
-              <a:rPr lang="en-GB" sz="2400" dirty="0"/>
-              <a:t> le temps </a:t>
-            </a:r>
-            <a:r>
-              <a:rPr lang="en-GB" sz="2400" dirty="0" err="1"/>
-              <a:t>qu’ils</a:t>
-            </a:r>
-            <a:r>
-              <a:rPr lang="en-GB" sz="2400" dirty="0"/>
-              <a:t> </a:t>
-            </a:r>
-            <a:r>
-              <a:rPr lang="en-GB" sz="2400" dirty="0" err="1"/>
-              <a:t>vous</a:t>
-            </a:r>
-            <a:r>
-              <a:rPr lang="en-GB" sz="2400" dirty="0"/>
-              <a:t> </a:t>
-            </a:r>
-            <a:r>
-              <a:rPr lang="en-GB" sz="2400" dirty="0" err="1"/>
-              <a:t>aurait</a:t>
-            </a:r>
-            <a:r>
-              <a:rPr lang="en-GB" sz="2400" dirty="0"/>
-              <a:t> </a:t>
-            </a:r>
-            <a:r>
-              <a:rPr lang="en-GB" sz="2400" dirty="0" err="1"/>
-              <a:t>fallu</a:t>
-            </a:r>
-            <a:r>
-              <a:rPr lang="en-GB" sz="2400" dirty="0"/>
-              <a:t> pour </a:t>
-            </a:r>
-            <a:r>
-              <a:rPr lang="en-GB" sz="2400" dirty="0" err="1"/>
-              <a:t>compléter</a:t>
-            </a:r>
-            <a:r>
-              <a:rPr lang="en-GB" sz="2400" dirty="0"/>
-              <a:t> </a:t>
-            </a:r>
-            <a:r>
-              <a:rPr lang="en-GB" sz="2400" dirty="0" err="1"/>
-              <a:t>l’exercice</a:t>
-            </a:r>
-            <a:r>
-              <a:rPr lang="fr-FR" sz="2400" dirty="0"/>
-              <a:t>.</a:t>
-            </a:r>
-            <a:endParaRPr lang="en-GB" sz="2400" dirty="0"/>
+              <a:t>CHOISISSEZ QUEL EXERCICE VOUS VOULEZ EFFECTUER!</a:t>
+            </a:r>
           </a:p>
         </p:txBody>
       </p:sp>
     </p:spTree>
     <p:extLst>
       <p:ext uri="{BB962C8B-B14F-4D97-AF65-F5344CB8AC3E}">
-        <p14:creationId xmlns:p14="http://schemas.microsoft.com/office/powerpoint/2010/main" val="3382475273"/>
+        <p14:creationId xmlns:p14="http://schemas.microsoft.com/office/powerpoint/2010/main" val="1917199260"/>
       </p:ext>
     </p:extLst>
   </p:cSld>
@@ -4705,8 +4605,8 @@
         </p:nvSpPr>
         <p:spPr>
           <a:xfrm>
-            <a:off x="1874195" y="981023"/>
-            <a:ext cx="8443609" cy="830997"/>
+            <a:off x="491319" y="1001346"/>
+            <a:ext cx="11022842" cy="1277273"/>
           </a:xfrm>
           <a:prstGeom prst="rect">
             <a:avLst/>
@@ -4726,8 +4626,20 @@
             </a:pPr>
             <a:r>
               <a:rPr lang="fr-FR" sz="2400" dirty="0"/>
-              <a:t>En plus, nous vous demanderons deux fois au cours d’un exercice si vous souhaitez l'arrêter:</a:t>
-            </a:r>
+              <a:t>Chaque exercice dure 80 secondes. </a:t>
+            </a:r>
+          </a:p>
+          <a:p>
+            <a:pPr algn="ctr">
+              <a:spcAft>
+                <a:spcPts val="600"/>
+              </a:spcAft>
+            </a:pPr>
+            <a:r>
+              <a:rPr lang="fr-FR" sz="2400" dirty="0"/>
+              <a:t>Si l’effort qui vous est demandé est trop important, vous avez la possibilité d’arrêter l’exercice à tout moment, en appuyant sur la touche « Entrée ».</a:t>
+            </a:r>
+            <a:endParaRPr lang="fr-FR" sz="2400" b="1" dirty="0"/>
           </a:p>
         </p:txBody>
       </p:sp>
@@ -4739,7 +4651,7 @@
         </p:nvSpPr>
         <p:spPr>
           <a:xfrm>
-            <a:off x="3554499" y="2002571"/>
+            <a:off x="3554499" y="2575778"/>
             <a:ext cx="5083002" cy="3026364"/>
           </a:xfrm>
           <a:prstGeom prst="rect">
@@ -4785,10 +4697,10 @@
       </p:sp>
       <p:pic>
         <p:nvPicPr>
-          <p:cNvPr id="4" name="Picture 3">
-            <a:extLst>
-              <a:ext uri="{FF2B5EF4-FFF2-40B4-BE49-F238E27FC236}">
-                <a16:creationId xmlns:a16="http://schemas.microsoft.com/office/drawing/2014/main" id="{158F1E06-0C39-4F66-9DD9-65601FD4C287}"/>
+          <p:cNvPr id="3" name="Picture 2">
+            <a:extLst>
+              <a:ext uri="{FF2B5EF4-FFF2-40B4-BE49-F238E27FC236}">
+                <a16:creationId xmlns:a16="http://schemas.microsoft.com/office/drawing/2014/main" id="{7D27EF53-AA60-4A88-8604-F2EA6CAF18FC}"/>
               </a:ext>
             </a:extLst>
           </p:cNvPr>
@@ -4799,13 +4711,13 @@
         </p:nvPicPr>
         <p:blipFill rotWithShape="1">
           <a:blip r:embed="rId2"/>
-          <a:srcRect l="32606" t="43051" r="32436" b="37853"/>
+          <a:srcRect l="31378" t="41159" r="31808" b="34915"/>
           <a:stretch/>
         </p:blipFill>
         <p:spPr>
           <a:xfrm>
-            <a:off x="3964983" y="2860949"/>
-            <a:ext cx="4262034" cy="1309608"/>
+            <a:off x="3825636" y="3329153"/>
+            <a:ext cx="4488272" cy="1640838"/>
           </a:xfrm>
           <a:prstGeom prst="rect">
             <a:avLst/>
@@ -4858,14 +4770,14 @@
       </p:sp>
       <p:sp>
         <p:nvSpPr>
-          <p:cNvPr id="11" name="Rectangle 10"/>
+          <p:cNvPr id="2" name="Rectangle 1"/>
           <p:cNvSpPr/>
           <p:nvPr/>
         </p:nvSpPr>
         <p:spPr>
           <a:xfrm>
-            <a:off x="568657" y="5421428"/>
-            <a:ext cx="11054687" cy="1277273"/>
+            <a:off x="1480782" y="5817213"/>
+            <a:ext cx="9230436" cy="830997"/>
           </a:xfrm>
           <a:prstGeom prst="rect">
             <a:avLst/>
@@ -4884,23 +4796,7 @@
             </a:pPr>
             <a:r>
               <a:rPr lang="en-GB" sz="2400" dirty="0" err="1"/>
-              <a:t>Ici</a:t>
-            </a:r>
-            <a:r>
-              <a:rPr lang="en-GB" sz="2400" dirty="0"/>
-              <a:t> </a:t>
-            </a:r>
-            <a:r>
-              <a:rPr lang="en-GB" sz="2400" dirty="0" err="1"/>
-              <a:t>aussi</a:t>
-            </a:r>
-            <a:r>
-              <a:rPr lang="en-GB" sz="2400" dirty="0"/>
-              <a:t>, </a:t>
-            </a:r>
-            <a:r>
-              <a:rPr lang="en-GB" sz="2400" dirty="0" err="1"/>
-              <a:t>vous</a:t>
+              <a:t>Vous</a:t>
             </a:r>
             <a:r>
               <a:rPr lang="en-GB" sz="2400" dirty="0"/>
@@ -4978,84 +4874,14 @@
               <a:rPr lang="fr-FR" sz="2400" dirty="0"/>
               <a:t>.</a:t>
             </a:r>
-          </a:p>
-          <a:p>
-            <a:pPr algn="ctr">
-              <a:spcAft>
-                <a:spcPts val="600"/>
-              </a:spcAft>
-            </a:pPr>
-            <a:r>
-              <a:rPr lang="en-GB" sz="2400" dirty="0"/>
-              <a:t>Si </a:t>
-            </a:r>
-            <a:r>
-              <a:rPr lang="en-GB" sz="2400" dirty="0" err="1"/>
-              <a:t>vous</a:t>
-            </a:r>
-            <a:r>
-              <a:rPr lang="en-GB" sz="2400" dirty="0"/>
-              <a:t> ne </a:t>
-            </a:r>
-            <a:r>
-              <a:rPr lang="en-GB" sz="2400" dirty="0" err="1"/>
-              <a:t>répondez</a:t>
-            </a:r>
-            <a:r>
-              <a:rPr lang="en-GB" sz="2400" dirty="0"/>
-              <a:t> pas, </a:t>
-            </a:r>
-            <a:r>
-              <a:rPr lang="en-GB" sz="2400" dirty="0" err="1"/>
-              <a:t>l’exercice</a:t>
-            </a:r>
-            <a:r>
-              <a:rPr lang="en-GB" sz="2400" dirty="0"/>
-              <a:t> </a:t>
-            </a:r>
-            <a:r>
-              <a:rPr lang="en-GB" sz="2400" dirty="0" err="1"/>
-              <a:t>redémarra</a:t>
-            </a:r>
-            <a:r>
-              <a:rPr lang="en-GB" sz="2400" dirty="0"/>
-              <a:t> </a:t>
-            </a:r>
-            <a:r>
-              <a:rPr lang="en-GB" sz="2400" dirty="0" err="1"/>
-              <a:t>automatiquement</a:t>
-            </a:r>
-            <a:r>
-              <a:rPr lang="en-GB" sz="2400" dirty="0"/>
-              <a:t> </a:t>
-            </a:r>
-            <a:r>
-              <a:rPr lang="en-GB" sz="2400" dirty="0" err="1"/>
-              <a:t>apr</a:t>
-            </a:r>
-            <a:r>
-              <a:rPr lang="fr-FR" sz="2400" dirty="0"/>
-              <a:t>è</a:t>
-            </a:r>
-            <a:r>
-              <a:rPr lang="en-GB" sz="2400" dirty="0"/>
-              <a:t>s 4 </a:t>
-            </a:r>
-            <a:r>
-              <a:rPr lang="en-GB" sz="2400" dirty="0" err="1"/>
-              <a:t>secondes</a:t>
-            </a:r>
-            <a:r>
-              <a:rPr lang="en-GB" sz="2400" dirty="0"/>
-              <a:t>.</a:t>
-            </a:r>
+            <a:endParaRPr lang="en-GB" sz="2400" dirty="0"/>
           </a:p>
         </p:txBody>
       </p:sp>
     </p:spTree>
     <p:extLst>
       <p:ext uri="{BB962C8B-B14F-4D97-AF65-F5344CB8AC3E}">
-        <p14:creationId xmlns:p14="http://schemas.microsoft.com/office/powerpoint/2010/main" val="3115931841"/>
+        <p14:creationId xmlns:p14="http://schemas.microsoft.com/office/powerpoint/2010/main" val="3382475273"/>
       </p:ext>
     </p:extLst>
   </p:cSld>
@@ -5082,6 +4908,392 @@
           <a:chExt cx="0" cy="0"/>
         </a:xfrm>
       </p:grpSpPr>
+      <p:pic>
+        <p:nvPicPr>
+          <p:cNvPr id="12" name="Picture 11">
+            <a:extLst>
+              <a:ext uri="{FF2B5EF4-FFF2-40B4-BE49-F238E27FC236}">
+                <a16:creationId xmlns:a16="http://schemas.microsoft.com/office/drawing/2014/main" id="{0FB69439-4268-47E3-9C41-B780515451A7}"/>
+              </a:ext>
+            </a:extLst>
+          </p:cNvPr>
+          <p:cNvPicPr>
+            <a:picLocks noChangeAspect="1"/>
+          </p:cNvPicPr>
+          <p:nvPr/>
+        </p:nvPicPr>
+        <p:blipFill>
+          <a:blip r:embed="rId2"/>
+          <a:stretch>
+            <a:fillRect/>
+          </a:stretch>
+        </p:blipFill>
+        <p:spPr>
+          <a:xfrm>
+            <a:off x="3020713" y="2068601"/>
+            <a:ext cx="5918099" cy="2894304"/>
+          </a:xfrm>
+          <a:prstGeom prst="rect">
+            <a:avLst/>
+          </a:prstGeom>
+        </p:spPr>
+      </p:pic>
+      <p:sp>
+        <p:nvSpPr>
+          <p:cNvPr id="7" name="ZoneTexte 6"/>
+          <p:cNvSpPr txBox="1"/>
+          <p:nvPr/>
+        </p:nvSpPr>
+        <p:spPr>
+          <a:xfrm>
+            <a:off x="1874195" y="981023"/>
+            <a:ext cx="8443609" cy="830997"/>
+          </a:xfrm>
+          <a:prstGeom prst="rect">
+            <a:avLst/>
+          </a:prstGeom>
+          <a:noFill/>
+        </p:spPr>
+        <p:txBody>
+          <a:bodyPr wrap="square" rtlCol="0">
+            <a:spAutoFit/>
+          </a:bodyPr>
+          <a:lstStyle/>
+          <a:p>
+            <a:pPr algn="ctr">
+              <a:spcAft>
+                <a:spcPts val="600"/>
+              </a:spcAft>
+            </a:pPr>
+            <a:r>
+              <a:rPr lang="fr-FR" sz="2400" dirty="0"/>
+              <a:t>En plus, nous vous demanderons deux fois au cours d’un exercice si vous souhaitez l'arrêter:</a:t>
+            </a:r>
+          </a:p>
+        </p:txBody>
+      </p:sp>
+      <p:sp>
+        <p:nvSpPr>
+          <p:cNvPr id="9" name="Rectangle 8"/>
+          <p:cNvSpPr/>
+          <p:nvPr/>
+        </p:nvSpPr>
+        <p:spPr>
+          <a:xfrm>
+            <a:off x="3554499" y="2002571"/>
+            <a:ext cx="5083002" cy="3026364"/>
+          </a:xfrm>
+          <a:prstGeom prst="rect">
+            <a:avLst/>
+          </a:prstGeom>
+          <a:noFill/>
+          <a:ln w="76200">
+            <a:solidFill>
+              <a:schemeClr val="bg1">
+                <a:lumMod val="65000"/>
+              </a:schemeClr>
+            </a:solidFill>
+          </a:ln>
+        </p:spPr>
+        <p:style>
+          <a:lnRef idx="2">
+            <a:schemeClr val="accent1">
+              <a:shade val="50000"/>
+            </a:schemeClr>
+          </a:lnRef>
+          <a:fillRef idx="1">
+            <a:schemeClr val="accent1"/>
+          </a:fillRef>
+          <a:effectRef idx="0">
+            <a:schemeClr val="accent1"/>
+          </a:effectRef>
+          <a:fontRef idx="minor">
+            <a:schemeClr val="lt1"/>
+          </a:fontRef>
+        </p:style>
+        <p:txBody>
+          <a:bodyPr rtlCol="0" anchor="ctr"/>
+          <a:lstStyle/>
+          <a:p>
+            <a:pPr algn="ctr"/>
+            <a:endParaRPr lang="en-GB">
+              <a:solidFill>
+                <a:schemeClr val="tx1"/>
+              </a:solidFill>
+            </a:endParaRPr>
+          </a:p>
+        </p:txBody>
+      </p:sp>
+      <p:sp>
+        <p:nvSpPr>
+          <p:cNvPr id="10" name="ZoneTexte 9"/>
+          <p:cNvSpPr txBox="1"/>
+          <p:nvPr/>
+        </p:nvSpPr>
+        <p:spPr>
+          <a:xfrm>
+            <a:off x="903028" y="379385"/>
+            <a:ext cx="10385945" cy="461665"/>
+          </a:xfrm>
+          <a:prstGeom prst="rect">
+            <a:avLst/>
+          </a:prstGeom>
+          <a:noFill/>
+          <a:ln>
+            <a:noFill/>
+          </a:ln>
+        </p:spPr>
+        <p:txBody>
+          <a:bodyPr wrap="square" rtlCol="0" anchor="ctr">
+            <a:spAutoFit/>
+          </a:bodyPr>
+          <a:lstStyle/>
+          <a:p>
+            <a:pPr algn="ctr">
+              <a:spcBef>
+                <a:spcPts val="1800"/>
+              </a:spcBef>
+              <a:spcAft>
+                <a:spcPts val="1800"/>
+              </a:spcAft>
+            </a:pPr>
+            <a:r>
+              <a:rPr lang="en-GB" sz="2400" b="1" dirty="0">
+                <a:solidFill>
+                  <a:srgbClr val="0070C0"/>
+                </a:solidFill>
+              </a:rPr>
+              <a:t>EXERCICE DE CHARGE MENTALE: ABANDON</a:t>
+            </a:r>
+          </a:p>
+        </p:txBody>
+      </p:sp>
+      <p:sp>
+        <p:nvSpPr>
+          <p:cNvPr id="11" name="Rectangle 10"/>
+          <p:cNvSpPr/>
+          <p:nvPr/>
+        </p:nvSpPr>
+        <p:spPr>
+          <a:xfrm>
+            <a:off x="568657" y="5421428"/>
+            <a:ext cx="11054687" cy="1277273"/>
+          </a:xfrm>
+          <a:prstGeom prst="rect">
+            <a:avLst/>
+          </a:prstGeom>
+        </p:spPr>
+        <p:txBody>
+          <a:bodyPr wrap="square">
+            <a:spAutoFit/>
+          </a:bodyPr>
+          <a:lstStyle/>
+          <a:p>
+            <a:pPr algn="ctr">
+              <a:spcAft>
+                <a:spcPts val="600"/>
+              </a:spcAft>
+            </a:pPr>
+            <a:r>
+              <a:rPr lang="en-GB" sz="2400" dirty="0" err="1"/>
+              <a:t>Ici</a:t>
+            </a:r>
+            <a:r>
+              <a:rPr lang="en-GB" sz="2400" dirty="0"/>
+              <a:t> </a:t>
+            </a:r>
+            <a:r>
+              <a:rPr lang="en-GB" sz="2400" dirty="0" err="1"/>
+              <a:t>aussi</a:t>
+            </a:r>
+            <a:r>
+              <a:rPr lang="en-GB" sz="2400" dirty="0"/>
+              <a:t>, </a:t>
+            </a:r>
+            <a:r>
+              <a:rPr lang="en-GB" sz="2400" dirty="0" err="1"/>
+              <a:t>vous</a:t>
+            </a:r>
+            <a:r>
+              <a:rPr lang="en-GB" sz="2400" dirty="0"/>
+              <a:t> </a:t>
+            </a:r>
+            <a:r>
+              <a:rPr lang="en-GB" sz="2400" dirty="0" err="1"/>
+              <a:t>pourrez</a:t>
+            </a:r>
+            <a:r>
+              <a:rPr lang="en-GB" sz="2400" dirty="0"/>
+              <a:t> </a:t>
+            </a:r>
+            <a:r>
+              <a:rPr lang="en-GB" sz="2400" dirty="0" err="1"/>
+              <a:t>alors</a:t>
+            </a:r>
+            <a:r>
+              <a:rPr lang="en-GB" sz="2400" dirty="0"/>
+              <a:t> </a:t>
+            </a:r>
+            <a:r>
+              <a:rPr lang="en-GB" sz="2400" dirty="0" err="1"/>
+              <a:t>attendre</a:t>
+            </a:r>
+            <a:r>
+              <a:rPr lang="en-GB" sz="2400" dirty="0"/>
+              <a:t> le temps </a:t>
+            </a:r>
+            <a:r>
+              <a:rPr lang="en-GB" sz="2400" dirty="0" err="1"/>
+              <a:t>qu’ils</a:t>
+            </a:r>
+            <a:r>
+              <a:rPr lang="en-GB" sz="2400" dirty="0"/>
+              <a:t> </a:t>
+            </a:r>
+            <a:r>
+              <a:rPr lang="en-GB" sz="2400" dirty="0" err="1"/>
+              <a:t>vous</a:t>
+            </a:r>
+            <a:r>
+              <a:rPr lang="en-GB" sz="2400" dirty="0"/>
+              <a:t> </a:t>
+            </a:r>
+            <a:r>
+              <a:rPr lang="en-GB" sz="2400" dirty="0" err="1"/>
+              <a:t>aurait</a:t>
+            </a:r>
+            <a:r>
+              <a:rPr lang="en-GB" sz="2400" dirty="0"/>
+              <a:t> </a:t>
+            </a:r>
+            <a:r>
+              <a:rPr lang="en-GB" sz="2400" dirty="0" err="1"/>
+              <a:t>fallu</a:t>
+            </a:r>
+            <a:r>
+              <a:rPr lang="en-GB" sz="2400" dirty="0"/>
+              <a:t> pour </a:t>
+            </a:r>
+            <a:r>
+              <a:rPr lang="en-GB" sz="2400" dirty="0" err="1"/>
+              <a:t>compléter</a:t>
+            </a:r>
+            <a:r>
+              <a:rPr lang="en-GB" sz="2400" dirty="0"/>
+              <a:t> </a:t>
+            </a:r>
+            <a:r>
+              <a:rPr lang="en-GB" sz="2400" dirty="0" err="1"/>
+              <a:t>l’exercice</a:t>
+            </a:r>
+            <a:r>
+              <a:rPr lang="fr-FR" sz="2400" dirty="0"/>
+              <a:t>.</a:t>
+            </a:r>
+          </a:p>
+          <a:p>
+            <a:pPr algn="ctr">
+              <a:spcAft>
+                <a:spcPts val="600"/>
+              </a:spcAft>
+            </a:pPr>
+            <a:r>
+              <a:rPr lang="en-GB" sz="2400" dirty="0"/>
+              <a:t>Si </a:t>
+            </a:r>
+            <a:r>
+              <a:rPr lang="en-GB" sz="2400" dirty="0" err="1"/>
+              <a:t>vous</a:t>
+            </a:r>
+            <a:r>
+              <a:rPr lang="en-GB" sz="2400" dirty="0"/>
+              <a:t> ne </a:t>
+            </a:r>
+            <a:r>
+              <a:rPr lang="en-GB" sz="2400" dirty="0" err="1"/>
+              <a:t>répondez</a:t>
+            </a:r>
+            <a:r>
+              <a:rPr lang="en-GB" sz="2400" dirty="0"/>
+              <a:t> pas, </a:t>
+            </a:r>
+            <a:r>
+              <a:rPr lang="en-GB" sz="2400" dirty="0" err="1"/>
+              <a:t>l’exercice</a:t>
+            </a:r>
+            <a:r>
+              <a:rPr lang="en-GB" sz="2400" dirty="0"/>
+              <a:t> </a:t>
+            </a:r>
+            <a:r>
+              <a:rPr lang="en-GB" sz="2400" dirty="0" err="1"/>
+              <a:t>redémarra</a:t>
+            </a:r>
+            <a:r>
+              <a:rPr lang="en-GB" sz="2400" dirty="0"/>
+              <a:t> </a:t>
+            </a:r>
+            <a:r>
+              <a:rPr lang="en-GB" sz="2400" dirty="0" err="1"/>
+              <a:t>automatiquement</a:t>
+            </a:r>
+            <a:r>
+              <a:rPr lang="en-GB" sz="2400" dirty="0"/>
+              <a:t> </a:t>
+            </a:r>
+            <a:r>
+              <a:rPr lang="en-GB" sz="2400" dirty="0" err="1"/>
+              <a:t>apr</a:t>
+            </a:r>
+            <a:r>
+              <a:rPr lang="fr-FR" sz="2400" dirty="0"/>
+              <a:t>è</a:t>
+            </a:r>
+            <a:r>
+              <a:rPr lang="en-GB" sz="2400" dirty="0"/>
+              <a:t>s 4 </a:t>
+            </a:r>
+            <a:r>
+              <a:rPr lang="en-GB" sz="2400" dirty="0" err="1"/>
+              <a:t>secondes</a:t>
+            </a:r>
+            <a:r>
+              <a:rPr lang="en-GB" sz="2400" dirty="0"/>
+              <a:t>.</a:t>
+            </a:r>
+          </a:p>
+        </p:txBody>
+      </p:sp>
+    </p:spTree>
+    <p:extLst>
+      <p:ext uri="{BB962C8B-B14F-4D97-AF65-F5344CB8AC3E}">
+        <p14:creationId xmlns:p14="http://schemas.microsoft.com/office/powerpoint/2010/main" val="3115931841"/>
+      </p:ext>
+    </p:extLst>
+  </p:cSld>
+  <p:clrMapOvr>
+    <a:masterClrMapping/>
+  </p:clrMapOvr>
+</p:sld>
+</file>
+
+<file path=ppt/slides/slide15.xml><?xml version="1.0" encoding="utf-8"?>
+<p:sld xmlns:a="http://schemas.openxmlformats.org/drawingml/2006/main" xmlns:r="http://schemas.openxmlformats.org/officeDocument/2006/relationships" xmlns:p="http://schemas.openxmlformats.org/presentationml/2006/main">
+  <p:cSld>
+    <p:spTree>
+      <p:nvGrpSpPr>
+        <p:cNvPr id="1" name=""/>
+        <p:cNvGrpSpPr/>
+        <p:nvPr/>
+      </p:nvGrpSpPr>
+      <p:grpSpPr>
+        <a:xfrm>
+          <a:off x="0" y="0"/>
+          <a:ext cx="0" cy="0"/>
+          <a:chOff x="0" y="0"/>
+          <a:chExt cx="0" cy="0"/>
+        </a:xfrm>
+      </p:grpSpPr>
       <p:sp>
         <p:nvSpPr>
           <p:cNvPr id="5" name="ZoneTexte 4"/>
@@ -5226,7 +5438,7 @@
 </p:sld>
 </file>
 
-<file path=ppt/slides/slide15.xml><?xml version="1.0" encoding="utf-8"?>
+<file path=ppt/slides/slide16.xml><?xml version="1.0" encoding="utf-8"?>
 <p:sld xmlns:a="http://schemas.openxmlformats.org/drawingml/2006/main" xmlns:r="http://schemas.openxmlformats.org/officeDocument/2006/relationships" xmlns:p="http://schemas.openxmlformats.org/presentationml/2006/main">
   <p:cSld>
     <p:spTree>
@@ -5475,105 +5687,259 @@
       </p:grpSpPr>
       <p:sp>
         <p:nvSpPr>
-          <p:cNvPr id="3" name="Espace réservé du contenu 2"/>
-          <p:cNvSpPr>
-            <a:spLocks noGrp="1"/>
-          </p:cNvSpPr>
-          <p:nvPr>
-            <p:ph idx="1"/>
-          </p:nvPr>
-        </p:nvSpPr>
-        <p:spPr>
-          <a:xfrm>
-            <a:off x="755543" y="345014"/>
-            <a:ext cx="10682206" cy="5992096"/>
-          </a:xfrm>
-        </p:spPr>
-        <p:txBody>
-          <a:bodyPr>
-            <a:noAutofit/>
+          <p:cNvPr id="6" name="ZoneTexte 5"/>
+          <p:cNvSpPr txBox="1"/>
+          <p:nvPr/>
+        </p:nvSpPr>
+        <p:spPr>
+          <a:xfrm>
+            <a:off x="1874204" y="2274838"/>
+            <a:ext cx="8443609" cy="1569660"/>
+          </a:xfrm>
+          <a:prstGeom prst="rect">
+            <a:avLst/>
+          </a:prstGeom>
+          <a:noFill/>
+        </p:spPr>
+        <p:txBody>
+          <a:bodyPr wrap="square" rtlCol="0">
+            <a:spAutoFit/>
           </a:bodyPr>
           <a:lstStyle/>
           <a:p>
-            <a:pPr marL="0" indent="0" algn="ctr">
-              <a:buNone/>
-            </a:pPr>
-            <a:r>
-              <a:rPr lang="fr-FR" sz="2400" dirty="0"/>
-              <a:t>Ce test dure environ 45 minutes. </a:t>
-            </a:r>
-          </a:p>
-          <a:p>
-            <a:pPr marL="0" indent="0" algn="ctr">
-              <a:buNone/>
-            </a:pPr>
-            <a:endParaRPr lang="fr-FR" sz="2400" dirty="0"/>
-          </a:p>
-          <a:p>
-            <a:pPr marL="0" indent="0" algn="ctr">
-              <a:buNone/>
-            </a:pPr>
-            <a:r>
-              <a:rPr lang="fr-FR" sz="2400" dirty="0"/>
-              <a:t>Nous allons vous proposer d’effectuer une série d’exercices de charge mentale plus ou moins difficiles. Si vous acceptez d’effectuer ces exercices, et si vous les réussissez, vous recevrez un bonus financier.</a:t>
-            </a:r>
-          </a:p>
-          <a:p>
-            <a:pPr marL="0" indent="0" algn="ctr">
-              <a:buNone/>
-            </a:pPr>
-            <a:endParaRPr lang="fr-FR" sz="2400" dirty="0"/>
-          </a:p>
-          <a:p>
-            <a:pPr marL="0" indent="0" algn="ctr">
-              <a:buNone/>
-            </a:pPr>
-            <a:r>
-              <a:rPr lang="fr-FR" sz="2400" dirty="0"/>
-              <a:t>Si vous pensez que la difficulté d’un exercice est trop importante (en comparaison du bonus), vous pouvez refuser de l’effectuer. Vous avez aussi la possibilité de changer d’avis et de décider d’abandonner l’exercice en cours de route.</a:t>
-            </a:r>
-          </a:p>
-          <a:p>
-            <a:pPr marL="0" indent="0" algn="ctr">
-              <a:buNone/>
-            </a:pPr>
-            <a:endParaRPr lang="fr-FR" sz="2400" dirty="0"/>
-          </a:p>
-          <a:p>
-            <a:pPr marL="0" indent="0" algn="ctr">
-              <a:buNone/>
-            </a:pPr>
-            <a:r>
-              <a:rPr lang="fr-FR" sz="2400" dirty="0"/>
-              <a:t>Note: vous recevrez une indemnisation financière de 2€</a:t>
-            </a:r>
-            <a:r>
-              <a:rPr lang="fr-FR" sz="2400" dirty="0">
+            <a:pPr algn="ctr"/>
+            <a:r>
+              <a:rPr lang="fr-FR" sz="2400" b="1">
                 <a:solidFill>
-                  <a:srgbClr val="FF0000"/>
+                  <a:srgbClr val="0070C0"/>
                 </a:solidFill>
               </a:rPr>
+              <a:t>TEST DE CHARGE MENTALE:</a:t>
+            </a:r>
+            <a:endParaRPr lang="fr-FR" sz="2400" b="1" dirty="0">
+              <a:solidFill>
+                <a:srgbClr val="0070C0"/>
+              </a:solidFill>
+            </a:endParaRPr>
+          </a:p>
+          <a:p>
+            <a:pPr algn="ctr"/>
+            <a:r>
+              <a:rPr lang="fr-FR" sz="2400" b="1" dirty="0">
+                <a:solidFill>
+                  <a:srgbClr val="0070C0"/>
+                </a:solidFill>
+              </a:rPr>
+              <a:t>INSTRUCTIONS</a:t>
+            </a:r>
+            <a:endParaRPr lang="en-GB" sz="2400" b="1" dirty="0">
+              <a:solidFill>
+                <a:srgbClr val="0070C0"/>
+              </a:solidFill>
+            </a:endParaRPr>
+          </a:p>
+          <a:p>
+            <a:pPr algn="ctr"/>
+            <a:endParaRPr lang="en-GB" sz="2400" dirty="0"/>
+          </a:p>
+          <a:p>
+            <a:pPr algn="ctr"/>
+            <a:endParaRPr lang="en-GB" sz="2400" dirty="0"/>
+          </a:p>
+        </p:txBody>
+      </p:sp>
+      <p:sp>
+        <p:nvSpPr>
+          <p:cNvPr id="3" name="Rectangle 2"/>
+          <p:cNvSpPr/>
+          <p:nvPr/>
+        </p:nvSpPr>
+        <p:spPr>
+          <a:xfrm>
+            <a:off x="723771" y="4317964"/>
+            <a:ext cx="10744480" cy="1754326"/>
+          </a:xfrm>
+          <a:prstGeom prst="rect">
+            <a:avLst/>
+          </a:prstGeom>
+        </p:spPr>
+        <p:txBody>
+          <a:bodyPr wrap="none">
+            <a:spAutoFit/>
+          </a:bodyPr>
+          <a:lstStyle/>
+          <a:p>
+            <a:pPr algn="ctr">
+              <a:lnSpc>
+                <a:spcPct val="150000"/>
+              </a:lnSpc>
+            </a:pPr>
+            <a:r>
+              <a:rPr lang="en-GB" sz="2400" dirty="0" err="1"/>
+              <a:t>Veuillez</a:t>
+            </a:r>
+            <a:r>
+              <a:rPr lang="en-GB" sz="2400" dirty="0"/>
+              <a:t> lire </a:t>
+            </a:r>
+            <a:r>
+              <a:rPr lang="en-GB" sz="2400" dirty="0" err="1"/>
+              <a:t>attentivement</a:t>
+            </a:r>
+            <a:r>
+              <a:rPr lang="en-GB" sz="2400" dirty="0"/>
+              <a:t> les instructions qui </a:t>
+            </a:r>
+            <a:r>
+              <a:rPr lang="en-GB" sz="2400" dirty="0" err="1"/>
+              <a:t>vont</a:t>
+            </a:r>
+            <a:r>
+              <a:rPr lang="en-GB" sz="2400" dirty="0"/>
               <a:t> </a:t>
             </a:r>
             <a:r>
+              <a:rPr lang="en-GB" sz="2400" dirty="0" err="1"/>
+              <a:t>suivre</a:t>
+            </a:r>
+            <a:r>
+              <a:rPr lang="en-GB" sz="2400" dirty="0"/>
+              <a:t>.</a:t>
+            </a:r>
+          </a:p>
+          <a:p>
+            <a:pPr algn="ctr">
+              <a:lnSpc>
+                <a:spcPct val="150000"/>
+              </a:lnSpc>
+            </a:pPr>
+            <a:r>
+              <a:rPr lang="en-GB" sz="2400" dirty="0" err="1"/>
+              <a:t>Appuyez</a:t>
+            </a:r>
+            <a:r>
+              <a:rPr lang="en-GB" sz="2400" dirty="0"/>
+              <a:t> sur </a:t>
+            </a:r>
+            <a:r>
               <a:rPr lang="fr-FR" sz="2400" dirty="0"/>
-              <a:t>pour avoir effectué ce test, quelle que soit votre performance. De plus, nous sélectionnerons deux exercices au hasard parmi ceux que vous avez accomplis, et vous recevrez la récompenses correspondant à votre performance dans ces 2 exercices (jusqu’à 2 €</a:t>
-            </a:r>
-            <a:r>
-              <a:rPr lang="en-GB" sz="2400" dirty="0"/>
-              <a:t>)</a:t>
+              <a:t>« </a:t>
+            </a:r>
+            <a:r>
+              <a:rPr lang="en-GB" sz="2400" dirty="0"/>
+              <a:t>la </a:t>
+            </a:r>
+            <a:r>
+              <a:rPr lang="en-GB" sz="2400" dirty="0" err="1"/>
+              <a:t>flèche</a:t>
+            </a:r>
+            <a:r>
+              <a:rPr lang="en-GB" sz="2400" dirty="0"/>
+              <a:t> de </a:t>
+            </a:r>
+            <a:r>
+              <a:rPr lang="en-GB" sz="2400" dirty="0" err="1"/>
+              <a:t>droite</a:t>
             </a:r>
             <a:r>
               <a:rPr lang="fr-FR" sz="2400" dirty="0"/>
+              <a:t> »</a:t>
+            </a:r>
+            <a:r>
+              <a:rPr lang="en-GB" sz="2400" dirty="0"/>
+              <a:t> [</a:t>
+            </a:r>
+            <a:r>
+              <a:rPr lang="en-GB" sz="2400" dirty="0">
+                <a:sym typeface="Wingdings" panose="05000000000000000000" pitchFamily="2" charset="2"/>
+              </a:rPr>
+              <a:t>] </a:t>
+            </a:r>
+            <a:r>
+              <a:rPr lang="en-GB" sz="2400" dirty="0"/>
+              <a:t>pour continuer et lire la suite.</a:t>
+            </a:r>
+          </a:p>
+          <a:p>
+            <a:pPr algn="ctr">
+              <a:lnSpc>
+                <a:spcPct val="150000"/>
+              </a:lnSpc>
+            </a:pPr>
+            <a:r>
+              <a:rPr lang="en-GB" sz="2400" dirty="0" err="1"/>
+              <a:t>Appuyez</a:t>
+            </a:r>
+            <a:r>
+              <a:rPr lang="en-GB" sz="2400" dirty="0"/>
+              <a:t> sur </a:t>
+            </a:r>
+            <a:r>
+              <a:rPr lang="fr-FR" sz="2400" dirty="0"/>
+              <a:t>« </a:t>
+            </a:r>
+            <a:r>
+              <a:rPr lang="en-GB" sz="2400" dirty="0"/>
+              <a:t>la </a:t>
+            </a:r>
+            <a:r>
+              <a:rPr lang="en-GB" sz="2400" dirty="0" err="1"/>
+              <a:t>flèche</a:t>
+            </a:r>
+            <a:r>
+              <a:rPr lang="en-GB" sz="2400" dirty="0"/>
+              <a:t> de gauche </a:t>
+            </a:r>
+            <a:r>
+              <a:rPr lang="fr-FR" sz="2400" dirty="0"/>
+              <a:t>»</a:t>
+            </a:r>
+            <a:r>
+              <a:rPr lang="en-GB" sz="2400" dirty="0"/>
+              <a:t> [</a:t>
+            </a:r>
+            <a:r>
+              <a:rPr lang="en-GB" sz="2400" dirty="0">
+                <a:sym typeface="Wingdings" panose="05000000000000000000" pitchFamily="2" charset="2"/>
+              </a:rPr>
+              <a:t>] </a:t>
+            </a:r>
+            <a:r>
+              <a:rPr lang="en-GB" sz="2400" dirty="0"/>
+              <a:t>pour </a:t>
+            </a:r>
+            <a:r>
+              <a:rPr lang="en-GB" sz="2400" dirty="0" err="1"/>
+              <a:t>revenir</a:t>
+            </a:r>
+            <a:r>
+              <a:rPr lang="en-GB" sz="2400" dirty="0"/>
+              <a:t> et lire </a:t>
+            </a:r>
+            <a:r>
+              <a:rPr lang="en-GB" sz="2400" dirty="0" err="1"/>
+              <a:t>l’instruction</a:t>
+            </a:r>
+            <a:r>
+              <a:rPr lang="en-GB" sz="2400" dirty="0"/>
+              <a:t> </a:t>
+            </a:r>
+            <a:r>
+              <a:rPr lang="en-GB" sz="2400" dirty="0" err="1"/>
+              <a:t>précédente</a:t>
+            </a:r>
+            <a:r>
+              <a:rPr lang="en-GB" sz="2400" dirty="0"/>
               <a:t>.</a:t>
             </a:r>
+            <a:endParaRPr lang="fr-FR" sz="2400" dirty="0"/>
           </a:p>
         </p:txBody>
       </p:sp>
     </p:spTree>
     <p:extLst>
       <p:ext uri="{BB962C8B-B14F-4D97-AF65-F5344CB8AC3E}">
-        <p14:creationId xmlns:p14="http://schemas.microsoft.com/office/powerpoint/2010/main" val="3805409877"/>
+        <p14:creationId xmlns:p14="http://schemas.microsoft.com/office/powerpoint/2010/main" val="3711202078"/>
       </p:ext>
     </p:extLst>
   </p:cSld>
@@ -5602,176 +5968,97 @@
       </p:grpSpPr>
       <p:sp>
         <p:nvSpPr>
-          <p:cNvPr id="7" name="ZoneTexte 6"/>
-          <p:cNvSpPr txBox="1"/>
-          <p:nvPr/>
-        </p:nvSpPr>
-        <p:spPr>
-          <a:xfrm>
-            <a:off x="987188" y="1222402"/>
-            <a:ext cx="9999259" cy="1569660"/>
-          </a:xfrm>
-          <a:prstGeom prst="rect">
-            <a:avLst/>
-          </a:prstGeom>
-          <a:noFill/>
-        </p:spPr>
-        <p:txBody>
-          <a:bodyPr wrap="square" rtlCol="0">
-            <a:spAutoFit/>
+          <p:cNvPr id="3" name="Espace réservé du contenu 2"/>
+          <p:cNvSpPr>
+            <a:spLocks noGrp="1"/>
+          </p:cNvSpPr>
+          <p:nvPr>
+            <p:ph idx="1"/>
+          </p:nvPr>
+        </p:nvSpPr>
+        <p:spPr>
+          <a:xfrm>
+            <a:off x="755543" y="345014"/>
+            <a:ext cx="10682206" cy="5992096"/>
+          </a:xfrm>
+        </p:spPr>
+        <p:txBody>
+          <a:bodyPr>
+            <a:noAutofit/>
           </a:bodyPr>
           <a:lstStyle/>
           <a:p>
-            <a:pPr algn="ctr">
-              <a:spcAft>
-                <a:spcPts val="600"/>
-              </a:spcAft>
+            <a:pPr marL="0" indent="0" algn="ctr">
+              <a:buNone/>
             </a:pPr>
             <a:r>
-              <a:rPr lang="en-GB" sz="2400" dirty="0" err="1"/>
-              <a:t>Lors</a:t>
-            </a:r>
-            <a:r>
-              <a:rPr lang="en-GB" sz="2400" dirty="0"/>
-              <a:t> de </a:t>
-            </a:r>
-            <a:r>
-              <a:rPr lang="en-GB" sz="2400" dirty="0" err="1"/>
-              <a:t>chaque</a:t>
-            </a:r>
-            <a:r>
-              <a:rPr lang="en-GB" sz="2400" dirty="0"/>
-              <a:t> </a:t>
-            </a:r>
-            <a:r>
               <a:rPr lang="fr-FR" sz="2400" dirty="0"/>
-              <a:t>exercice de charge mentale, vous devrez observer une séquences de lettres et de chiffres qui changeront rapidement (3 fois par seconde). Les lettres et les chiffres sont disposés à gauche, au centre et à droite de l’écran:</a:t>
-            </a:r>
-            <a:endParaRPr lang="fr-FR" sz="2400" b="1" u="sng" dirty="0"/>
-          </a:p>
-        </p:txBody>
-      </p:sp>
-      <p:sp>
-        <p:nvSpPr>
-          <p:cNvPr id="9" name="Rectangle 8"/>
-          <p:cNvSpPr/>
-          <p:nvPr/>
-        </p:nvSpPr>
-        <p:spPr>
-          <a:xfrm>
-            <a:off x="3554499" y="3080749"/>
-            <a:ext cx="5083002" cy="3026364"/>
-          </a:xfrm>
-          <a:prstGeom prst="rect">
-            <a:avLst/>
-          </a:prstGeom>
-          <a:noFill/>
-          <a:ln w="76200">
-            <a:solidFill>
-              <a:schemeClr val="bg1">
-                <a:lumMod val="65000"/>
-              </a:schemeClr>
-            </a:solidFill>
-          </a:ln>
-        </p:spPr>
-        <p:style>
-          <a:lnRef idx="2">
-            <a:schemeClr val="accent1">
-              <a:shade val="50000"/>
-            </a:schemeClr>
-          </a:lnRef>
-          <a:fillRef idx="1">
-            <a:schemeClr val="accent1"/>
-          </a:fillRef>
-          <a:effectRef idx="0">
-            <a:schemeClr val="accent1"/>
-          </a:effectRef>
-          <a:fontRef idx="minor">
-            <a:schemeClr val="lt1"/>
-          </a:fontRef>
-        </p:style>
-        <p:txBody>
-          <a:bodyPr rtlCol="0" anchor="ctr"/>
-          <a:lstStyle/>
-          <a:p>
-            <a:pPr algn="ctr"/>
-            <a:endParaRPr lang="en-GB">
-              <a:solidFill>
-                <a:schemeClr val="tx1"/>
-              </a:solidFill>
-            </a:endParaRPr>
-          </a:p>
-        </p:txBody>
-      </p:sp>
-      <p:pic>
-        <p:nvPicPr>
-          <p:cNvPr id="2" name="Picture 1">
-            <a:extLst>
-              <a:ext uri="{FF2B5EF4-FFF2-40B4-BE49-F238E27FC236}">
-                <a16:creationId xmlns:a16="http://schemas.microsoft.com/office/drawing/2014/main" id="{1552C59D-22D0-45FC-B0B7-BE0737956212}"/>
-              </a:ext>
-            </a:extLst>
-          </p:cNvPr>
-          <p:cNvPicPr>
-            <a:picLocks noChangeAspect="1"/>
-          </p:cNvPicPr>
-          <p:nvPr/>
-        </p:nvPicPr>
-        <p:blipFill rotWithShape="1">
-          <a:blip r:embed="rId2"/>
-          <a:srcRect l="33306" t="43729" r="34343" b="39887"/>
-          <a:stretch/>
-        </p:blipFill>
-        <p:spPr>
-          <a:xfrm>
-            <a:off x="4123839" y="4032117"/>
-            <a:ext cx="3944319" cy="1123627"/>
-          </a:xfrm>
-          <a:prstGeom prst="rect">
-            <a:avLst/>
-          </a:prstGeom>
-        </p:spPr>
-      </p:pic>
-      <p:sp>
-        <p:nvSpPr>
-          <p:cNvPr id="10" name="ZoneTexte 9"/>
-          <p:cNvSpPr txBox="1"/>
-          <p:nvPr/>
-        </p:nvSpPr>
-        <p:spPr>
-          <a:xfrm>
-            <a:off x="1956180" y="379385"/>
-            <a:ext cx="8279641" cy="461665"/>
-          </a:xfrm>
-          <a:prstGeom prst="rect">
-            <a:avLst/>
-          </a:prstGeom>
-          <a:noFill/>
-          <a:ln>
-            <a:noFill/>
-          </a:ln>
-        </p:spPr>
-        <p:txBody>
-          <a:bodyPr wrap="square" rtlCol="0" anchor="ctr">
-            <a:spAutoFit/>
-          </a:bodyPr>
-          <a:lstStyle/>
-          <a:p>
-            <a:pPr algn="ctr">
-              <a:spcBef>
-                <a:spcPts val="1800"/>
-              </a:spcBef>
-              <a:spcAft>
-                <a:spcPts val="1800"/>
-              </a:spcAft>
+              <a:t>Ce test dure environ 45 minutes. </a:t>
+            </a:r>
+          </a:p>
+          <a:p>
+            <a:pPr marL="0" indent="0" algn="ctr">
+              <a:buNone/>
             </a:pPr>
-            <a:r>
-              <a:rPr lang="en-GB" sz="2400" b="1" dirty="0">
+            <a:endParaRPr lang="fr-FR" sz="2400" dirty="0"/>
+          </a:p>
+          <a:p>
+            <a:pPr marL="0" indent="0" algn="ctr">
+              <a:buNone/>
+            </a:pPr>
+            <a:r>
+              <a:rPr lang="fr-FR" sz="2400" dirty="0"/>
+              <a:t>Nous allons vous proposer d’effectuer une série d’exercices de charge mentale plus ou moins difficiles. Si vous acceptez d’effectuer ces exercices, et si vous les réussissez, vous recevrez un bonus financier.</a:t>
+            </a:r>
+          </a:p>
+          <a:p>
+            <a:pPr marL="0" indent="0" algn="ctr">
+              <a:buNone/>
+            </a:pPr>
+            <a:endParaRPr lang="fr-FR" sz="2400" dirty="0"/>
+          </a:p>
+          <a:p>
+            <a:pPr marL="0" indent="0" algn="ctr">
+              <a:buNone/>
+            </a:pPr>
+            <a:r>
+              <a:rPr lang="fr-FR" sz="2400" dirty="0"/>
+              <a:t>Si vous pensez que la difficulté d’un exercice est trop importante (en comparaison du bonus), vous pouvez refuser de l’effectuer. Vous avez aussi la possibilité de changer d’avis et de décider d’abandonner l’exercice en cours de route.</a:t>
+            </a:r>
+          </a:p>
+          <a:p>
+            <a:pPr marL="0" indent="0" algn="ctr">
+              <a:buNone/>
+            </a:pPr>
+            <a:endParaRPr lang="fr-FR" sz="2400" dirty="0"/>
+          </a:p>
+          <a:p>
+            <a:pPr marL="0" indent="0" algn="ctr">
+              <a:buNone/>
+            </a:pPr>
+            <a:r>
+              <a:rPr lang="fr-FR" sz="2400" dirty="0"/>
+              <a:t>Note: vous recevrez une indemnisation financière de 2€</a:t>
+            </a:r>
+            <a:r>
+              <a:rPr lang="fr-FR" sz="2400" dirty="0">
                 <a:solidFill>
-                  <a:srgbClr val="0070C0"/>
+                  <a:srgbClr val="FF0000"/>
                 </a:solidFill>
               </a:rPr>
-              <a:t>EXERCICE DE CHARGE MENTALE: PRÉSENTATION</a:t>
+              <a:t> </a:t>
+            </a:r>
+            <a:r>
+              <a:rPr lang="fr-FR" sz="2400" dirty="0"/>
+              <a:t>pour avoir effectué ce test, quelle que soit votre performance. De plus, nous sélectionnerons deux exercices au hasard parmi ceux que vous avez accomplis, et vous recevrez la récompenses correspondant à votre performance dans ces 2 exercices (jusqu’à 2 €</a:t>
+            </a:r>
+            <a:r>
+              <a:rPr lang="en-GB" sz="2400" dirty="0"/>
+              <a:t>)</a:t>
+            </a:r>
+            <a:r>
+              <a:rPr lang="fr-FR" sz="2400" dirty="0"/>
+              <a:t>.</a:t>
             </a:r>
           </a:p>
         </p:txBody>
@@ -5779,7 +6066,7 @@
     </p:spTree>
     <p:extLst>
       <p:ext uri="{BB962C8B-B14F-4D97-AF65-F5344CB8AC3E}">
-        <p14:creationId xmlns:p14="http://schemas.microsoft.com/office/powerpoint/2010/main" val="4034860949"/>
+        <p14:creationId xmlns:p14="http://schemas.microsoft.com/office/powerpoint/2010/main" val="3805409877"/>
       </p:ext>
     </p:extLst>
   </p:cSld>
@@ -5814,8 +6101,8 @@
         </p:nvSpPr>
         <p:spPr>
           <a:xfrm>
-            <a:off x="1874193" y="1081375"/>
-            <a:ext cx="8443609" cy="1200329"/>
+            <a:off x="987188" y="1222402"/>
+            <a:ext cx="9999259" cy="1569660"/>
           </a:xfrm>
           <a:prstGeom prst="rect">
             <a:avLst/>
@@ -5834,53 +6121,26 @@
               </a:spcAft>
             </a:pPr>
             <a:r>
-              <a:rPr lang="en-GB" sz="2400" dirty="0"/>
-              <a:t>L</a:t>
+              <a:rPr lang="en-GB" sz="2400" dirty="0" err="1"/>
+              <a:t>Lors</a:t>
+            </a:r>
+            <a:r>
+              <a:rPr lang="en-GB" sz="2400" dirty="0"/>
+              <a:t> de </a:t>
+            </a:r>
+            <a:r>
+              <a:rPr lang="en-GB" sz="2400" dirty="0" err="1"/>
+              <a:t>chaque</a:t>
+            </a:r>
+            <a:r>
+              <a:rPr lang="en-GB" sz="2400" dirty="0"/>
+              <a:t> </a:t>
             </a:r>
             <a:r>
               <a:rPr lang="fr-FR" sz="2400" dirty="0"/>
-              <a:t>’exercice consiste à</a:t>
-            </a:r>
-            <a:r>
-              <a:rPr lang="en-GB" sz="2400" dirty="0"/>
-              <a:t> </a:t>
-            </a:r>
-            <a:r>
-              <a:rPr lang="fr-FR" sz="2400" dirty="0"/>
-              <a:t>appuyer sur la barre d’espace du clavier lorsque vous voyez le « </a:t>
-            </a:r>
-            <a:r>
-              <a:rPr lang="fr-FR" sz="2400" b="1" dirty="0"/>
-              <a:t>chiffre</a:t>
-            </a:r>
-            <a:r>
-              <a:rPr lang="en-GB" sz="2400" b="1" dirty="0"/>
-              <a:t> </a:t>
-            </a:r>
-            <a:r>
-              <a:rPr lang="fr-FR" sz="2400" b="1" dirty="0"/>
-              <a:t>cibl</a:t>
-            </a:r>
-            <a:r>
-              <a:rPr lang="fr-FR" sz="2400" dirty="0"/>
-              <a:t>e » </a:t>
-            </a:r>
-            <a:r>
-              <a:rPr lang="fr-FR" sz="2400" b="1" dirty="0"/>
-              <a:t>7</a:t>
-            </a:r>
-            <a:r>
-              <a:rPr lang="fr-FR" sz="2400" dirty="0"/>
-              <a:t> apparaître dans l’une des deux positions adjacentes à</a:t>
-            </a:r>
-            <a:r>
-              <a:rPr lang="en-GB" sz="2400" dirty="0"/>
-              <a:t> </a:t>
-            </a:r>
-            <a:r>
-              <a:rPr lang="fr-FR" sz="2400" dirty="0"/>
-              <a:t>la position centrale:</a:t>
-            </a:r>
+              <a:t>exercice de charge mentale, vous devrez observer une séquences de lettres et de chiffres qui changeront rapidement (3 fois par seconde). Les lettres et les chiffres sont disposés à gauche, au centre et à droite de l’écran:</a:t>
+            </a:r>
+            <a:endParaRPr lang="fr-FR" sz="2400" b="1" u="sng" dirty="0"/>
           </a:p>
         </p:txBody>
       </p:sp>
@@ -5892,7 +6152,7 @@
         </p:nvSpPr>
         <p:spPr>
           <a:xfrm>
-            <a:off x="3554499" y="2530286"/>
+            <a:off x="3554499" y="3080749"/>
             <a:ext cx="5083002" cy="3026364"/>
           </a:xfrm>
           <a:prstGeom prst="rect">
@@ -5938,10 +6198,10 @@
       </p:sp>
       <p:pic>
         <p:nvPicPr>
-          <p:cNvPr id="3" name="Picture 2">
-            <a:extLst>
-              <a:ext uri="{FF2B5EF4-FFF2-40B4-BE49-F238E27FC236}">
-                <a16:creationId xmlns:a16="http://schemas.microsoft.com/office/drawing/2014/main" id="{3985072F-B431-4929-AB0E-F94079104ED7}"/>
+          <p:cNvPr id="2" name="Picture 1">
+            <a:extLst>
+              <a:ext uri="{FF2B5EF4-FFF2-40B4-BE49-F238E27FC236}">
+                <a16:creationId xmlns:a16="http://schemas.microsoft.com/office/drawing/2014/main" id="{1552C59D-22D0-45FC-B0B7-BE0737956212}"/>
               </a:ext>
             </a:extLst>
           </p:cNvPr>
@@ -5952,178 +6212,22 @@
         </p:nvPicPr>
         <p:blipFill rotWithShape="1">
           <a:blip r:embed="rId2"/>
-          <a:srcRect l="33994" t="44493" r="34294" b="40869"/>
+          <a:srcRect l="33306" t="43729" r="34343" b="39887"/>
           <a:stretch/>
         </p:blipFill>
         <p:spPr>
           <a:xfrm>
-            <a:off x="4162836" y="3541541"/>
-            <a:ext cx="3866322" cy="1003853"/>
+            <a:off x="4123839" y="4032117"/>
+            <a:ext cx="3944319" cy="1123627"/>
           </a:xfrm>
           <a:prstGeom prst="rect">
             <a:avLst/>
           </a:prstGeom>
         </p:spPr>
       </p:pic>
-      <p:cxnSp>
-        <p:nvCxnSpPr>
-          <p:cNvPr id="12" name="Straight Arrow Connector 11">
-            <a:extLst>
-              <a:ext uri="{FF2B5EF4-FFF2-40B4-BE49-F238E27FC236}">
-                <a16:creationId xmlns:a16="http://schemas.microsoft.com/office/drawing/2014/main" id="{3AC4A581-3832-42F2-8FCF-C10FB8E767EC}"/>
-              </a:ext>
-            </a:extLst>
-          </p:cNvPr>
-          <p:cNvCxnSpPr/>
-          <p:nvPr/>
-        </p:nvCxnSpPr>
-        <p:spPr>
-          <a:xfrm flipH="1">
-            <a:off x="7710407" y="3107137"/>
-            <a:ext cx="1402596" cy="805912"/>
-          </a:xfrm>
-          <a:prstGeom prst="straightConnector1">
-            <a:avLst/>
-          </a:prstGeom>
-          <a:ln w="57150">
-            <a:solidFill>
-              <a:srgbClr val="FF0000"/>
-            </a:solidFill>
-            <a:tailEnd type="triangle"/>
-          </a:ln>
-        </p:spPr>
-        <p:style>
-          <a:lnRef idx="1">
-            <a:schemeClr val="accent1"/>
-          </a:lnRef>
-          <a:fillRef idx="0">
-            <a:schemeClr val="accent1"/>
-          </a:fillRef>
-          <a:effectRef idx="0">
-            <a:schemeClr val="accent1"/>
-          </a:effectRef>
-          <a:fontRef idx="minor">
-            <a:schemeClr val="tx1"/>
-          </a:fontRef>
-        </p:style>
-      </p:cxnSp>
-      <p:cxnSp>
-        <p:nvCxnSpPr>
-          <p:cNvPr id="13" name="Straight Arrow Connector 12">
-            <a:extLst>
-              <a:ext uri="{FF2B5EF4-FFF2-40B4-BE49-F238E27FC236}">
-                <a16:creationId xmlns:a16="http://schemas.microsoft.com/office/drawing/2014/main" id="{F29AB5C4-B07D-4DD1-BB5B-A829967D6AAB}"/>
-              </a:ext>
-            </a:extLst>
-          </p:cNvPr>
-          <p:cNvCxnSpPr>
-            <a:cxnSpLocks/>
-          </p:cNvCxnSpPr>
-          <p:nvPr/>
-        </p:nvCxnSpPr>
-        <p:spPr>
-          <a:xfrm>
-            <a:off x="2851688" y="2915447"/>
-            <a:ext cx="1712563" cy="1059595"/>
-          </a:xfrm>
-          <a:prstGeom prst="straightConnector1">
-            <a:avLst/>
-          </a:prstGeom>
-          <a:ln w="57150">
-            <a:solidFill>
-              <a:srgbClr val="FF0000"/>
-            </a:solidFill>
-            <a:tailEnd type="triangle"/>
-          </a:ln>
-        </p:spPr>
-        <p:style>
-          <a:lnRef idx="1">
-            <a:schemeClr val="accent1"/>
-          </a:lnRef>
-          <a:fillRef idx="0">
-            <a:schemeClr val="accent1"/>
-          </a:fillRef>
-          <a:effectRef idx="0">
-            <a:schemeClr val="accent1"/>
-          </a:effectRef>
-          <a:fontRef idx="minor">
-            <a:schemeClr val="tx1"/>
-          </a:fontRef>
-        </p:style>
-      </p:cxnSp>
-      <p:sp>
-        <p:nvSpPr>
-          <p:cNvPr id="17" name="TextBox 16">
-            <a:extLst>
-              <a:ext uri="{FF2B5EF4-FFF2-40B4-BE49-F238E27FC236}">
-                <a16:creationId xmlns:a16="http://schemas.microsoft.com/office/drawing/2014/main" id="{2013EE86-7201-46B1-9573-9FC67AD2A536}"/>
-              </a:ext>
-            </a:extLst>
-          </p:cNvPr>
-          <p:cNvSpPr txBox="1"/>
-          <p:nvPr/>
-        </p:nvSpPr>
-        <p:spPr>
-          <a:xfrm>
-            <a:off x="1689315" y="2492347"/>
-            <a:ext cx="1317357" cy="461665"/>
-          </a:xfrm>
-          <a:prstGeom prst="rect">
-            <a:avLst/>
-          </a:prstGeom>
-          <a:noFill/>
-        </p:spPr>
-        <p:txBody>
-          <a:bodyPr wrap="square" rtlCol="0">
-            <a:spAutoFit/>
-          </a:bodyPr>
-          <a:lstStyle/>
-          <a:p>
-            <a:r>
-              <a:rPr lang="fr-FR" sz="2400" dirty="0"/>
-              <a:t>Soit ici…</a:t>
-            </a:r>
-          </a:p>
-        </p:txBody>
-      </p:sp>
-      <p:sp>
-        <p:nvSpPr>
-          <p:cNvPr id="18" name="TextBox 17">
-            <a:extLst>
-              <a:ext uri="{FF2B5EF4-FFF2-40B4-BE49-F238E27FC236}">
-                <a16:creationId xmlns:a16="http://schemas.microsoft.com/office/drawing/2014/main" id="{A9D55908-9DCF-4BDD-916F-D18E743546F0}"/>
-              </a:ext>
-            </a:extLst>
-          </p:cNvPr>
-          <p:cNvSpPr txBox="1"/>
-          <p:nvPr/>
-        </p:nvSpPr>
-        <p:spPr>
-          <a:xfrm>
-            <a:off x="9113003" y="2706326"/>
-            <a:ext cx="1402596" cy="461665"/>
-          </a:xfrm>
-          <a:prstGeom prst="rect">
-            <a:avLst/>
-          </a:prstGeom>
-          <a:noFill/>
-        </p:spPr>
-        <p:txBody>
-          <a:bodyPr wrap="square" rtlCol="0">
-            <a:spAutoFit/>
-          </a:bodyPr>
-          <a:lstStyle/>
-          <a:p>
-            <a:r>
-              <a:rPr lang="fr-FR" sz="2400" dirty="0"/>
-              <a:t>…soit là</a:t>
-            </a:r>
-          </a:p>
-        </p:txBody>
-      </p:sp>
-      <p:sp>
-        <p:nvSpPr>
-          <p:cNvPr id="11" name="ZoneTexte 10"/>
+      <p:sp>
+        <p:nvSpPr>
+          <p:cNvPr id="10" name="ZoneTexte 9"/>
           <p:cNvSpPr txBox="1"/>
           <p:nvPr/>
         </p:nvSpPr>
@@ -6165,44 +6269,10 @@
           </a:p>
         </p:txBody>
       </p:sp>
-      <p:sp>
-        <p:nvSpPr>
-          <p:cNvPr id="14" name="ZoneTexte 13"/>
-          <p:cNvSpPr txBox="1"/>
-          <p:nvPr/>
-        </p:nvSpPr>
-        <p:spPr>
-          <a:xfrm>
-            <a:off x="1874193" y="5926372"/>
-            <a:ext cx="8443609" cy="461665"/>
-          </a:xfrm>
-          <a:prstGeom prst="rect">
-            <a:avLst/>
-          </a:prstGeom>
-          <a:noFill/>
-        </p:spPr>
-        <p:txBody>
-          <a:bodyPr wrap="square" rtlCol="0">
-            <a:spAutoFit/>
-          </a:bodyPr>
-          <a:lstStyle/>
-          <a:p>
-            <a:pPr algn="ctr">
-              <a:spcAft>
-                <a:spcPts val="600"/>
-              </a:spcAft>
-            </a:pPr>
-            <a:r>
-              <a:rPr lang="fr-FR" sz="2400" dirty="0"/>
-              <a:t>Attention: vous n’avez qu’une seconde pour réagir !</a:t>
-            </a:r>
-          </a:p>
-        </p:txBody>
-      </p:sp>
     </p:spTree>
     <p:extLst>
       <p:ext uri="{BB962C8B-B14F-4D97-AF65-F5344CB8AC3E}">
-        <p14:creationId xmlns:p14="http://schemas.microsoft.com/office/powerpoint/2010/main" val="1964655482"/>
+        <p14:creationId xmlns:p14="http://schemas.microsoft.com/office/powerpoint/2010/main" val="4034860949"/>
       </p:ext>
     </p:extLst>
   </p:cSld>
@@ -6237,8 +6307,8 @@
         </p:nvSpPr>
         <p:spPr>
           <a:xfrm>
-            <a:off x="1874193" y="1545401"/>
-            <a:ext cx="8443609" cy="907941"/>
+            <a:off x="1874193" y="1081375"/>
+            <a:ext cx="8443609" cy="1200329"/>
           </a:xfrm>
           <a:prstGeom prst="rect">
             <a:avLst/>
@@ -6257,8 +6327,12 @@
               </a:spcAft>
             </a:pPr>
             <a:r>
+              <a:rPr lang="en-GB" sz="2400" dirty="0"/>
+              <a:t>L</a:t>
+            </a:r>
+            <a:r>
               <a:rPr lang="fr-FR" sz="2400" dirty="0"/>
-              <a:t>Il ne peut y avoir qu’un seul chiffre cible à</a:t>
+              <a:t>’exercice consiste à</a:t>
             </a:r>
             <a:r>
               <a:rPr lang="en-GB" sz="2400" dirty="0"/>
@@ -6266,36 +6340,40 @@
             </a:r>
             <a:r>
               <a:rPr lang="fr-FR" sz="2400" dirty="0"/>
-              <a:t>l’écran</a:t>
-            </a:r>
-            <a:r>
-              <a:rPr lang="en-GB" sz="2400" dirty="0"/>
-              <a:t> !</a:t>
-            </a:r>
-          </a:p>
-          <a:p>
-            <a:pPr algn="ctr">
-              <a:spcAft>
-                <a:spcPts val="600"/>
-              </a:spcAft>
-            </a:pPr>
-            <a:r>
-              <a:rPr lang="en-GB" sz="2400" dirty="0" err="1"/>
-              <a:t>Soit</a:t>
-            </a:r>
-            <a:r>
-              <a:rPr lang="en-GB" sz="2400" dirty="0"/>
-              <a:t> d’un </a:t>
-            </a:r>
-            <a:r>
-              <a:rPr lang="en-GB" sz="2400" dirty="0" err="1"/>
-              <a:t>côté</a:t>
-            </a:r>
-            <a:r>
-              <a:rPr lang="en-GB" sz="2400" dirty="0"/>
-              <a:t>…</a:t>
-            </a:r>
-            <a:endParaRPr lang="fr-FR" sz="2400" dirty="0"/>
+              <a:t>appuyer sur la barre d’espace du clavier lorsque vous voyez le « </a:t>
+            </a:r>
+            <a:r>
+              <a:rPr lang="fr-FR" sz="2400" b="1" dirty="0"/>
+              <a:t>chiffre</a:t>
+            </a:r>
+            <a:r>
+              <a:rPr lang="en-GB" sz="2400" b="1" dirty="0"/>
+              <a:t> </a:t>
+            </a:r>
+            <a:r>
+              <a:rPr lang="fr-FR" sz="2400" b="1" dirty="0"/>
+              <a:t>cibl</a:t>
+            </a:r>
+            <a:r>
+              <a:rPr lang="fr-FR" sz="2400" dirty="0"/>
+              <a:t>e » </a:t>
+            </a:r>
+            <a:r>
+              <a:rPr lang="fr-FR" sz="2400" b="1" dirty="0"/>
+              <a:t>7</a:t>
+            </a:r>
+            <a:r>
+              <a:rPr lang="fr-FR" sz="2400" dirty="0"/>
+              <a:t> apparaître dans l’une des deux positions adjacentes à</a:t>
+            </a:r>
+            <a:r>
+              <a:rPr lang="en-GB" sz="2400" dirty="0"/>
+              <a:t> </a:t>
+            </a:r>
+            <a:r>
+              <a:rPr lang="fr-FR" sz="2400" dirty="0"/>
+              <a:t>la position centrale:</a:t>
+            </a:r>
           </a:p>
         </p:txBody>
       </p:sp>
@@ -6307,7 +6385,7 @@
         </p:nvSpPr>
         <p:spPr>
           <a:xfrm>
-            <a:off x="3554499" y="3080749"/>
+            <a:off x="3554499" y="2530286"/>
             <a:ext cx="5083002" cy="3026364"/>
           </a:xfrm>
           <a:prstGeom prst="rect">
@@ -6372,7 +6450,7 @@
         </p:blipFill>
         <p:spPr>
           <a:xfrm>
-            <a:off x="4162836" y="4092004"/>
+            <a:off x="4162836" y="3541541"/>
             <a:ext cx="3866322" cy="1003853"/>
           </a:xfrm>
           <a:prstGeom prst="rect">
@@ -6380,61 +6458,165 @@
           </a:prstGeom>
         </p:spPr>
       </p:pic>
-      <p:sp>
-        <p:nvSpPr>
-          <p:cNvPr id="4" name="Oval 3">
-            <a:extLst>
-              <a:ext uri="{FF2B5EF4-FFF2-40B4-BE49-F238E27FC236}">
-                <a16:creationId xmlns:a16="http://schemas.microsoft.com/office/drawing/2014/main" id="{0FA98DFB-F17C-4243-9265-325B8B8218D0}"/>
-              </a:ext>
-            </a:extLst>
-          </p:cNvPr>
-          <p:cNvSpPr/>
+      <p:cxnSp>
+        <p:nvCxnSpPr>
+          <p:cNvPr id="12" name="Straight Arrow Connector 11">
+            <a:extLst>
+              <a:ext uri="{FF2B5EF4-FFF2-40B4-BE49-F238E27FC236}">
+                <a16:creationId xmlns:a16="http://schemas.microsoft.com/office/drawing/2014/main" id="{3AC4A581-3832-42F2-8FCF-C10FB8E767EC}"/>
+              </a:ext>
+            </a:extLst>
+          </p:cNvPr>
+          <p:cNvCxnSpPr/>
           <p:nvPr/>
-        </p:nvSpPr>
-        <p:spPr>
-          <a:xfrm>
-            <a:off x="7377194" y="4393769"/>
-            <a:ext cx="356461" cy="387458"/>
-          </a:xfrm>
-          <a:prstGeom prst="ellipse">
+        </p:nvCxnSpPr>
+        <p:spPr>
+          <a:xfrm flipH="1">
+            <a:off x="7710407" y="3107137"/>
+            <a:ext cx="1402596" cy="805912"/>
+          </a:xfrm>
+          <a:prstGeom prst="straightConnector1">
             <a:avLst/>
           </a:prstGeom>
-          <a:noFill/>
-          <a:ln w="28575">
+          <a:ln w="57150">
             <a:solidFill>
               <a:srgbClr val="FF0000"/>
             </a:solidFill>
+            <a:tailEnd type="triangle"/>
           </a:ln>
         </p:spPr>
         <p:style>
-          <a:lnRef idx="2">
-            <a:schemeClr val="accent1">
-              <a:shade val="50000"/>
-            </a:schemeClr>
+          <a:lnRef idx="1">
+            <a:schemeClr val="accent1"/>
           </a:lnRef>
-          <a:fillRef idx="1">
+          <a:fillRef idx="0">
             <a:schemeClr val="accent1"/>
           </a:fillRef>
           <a:effectRef idx="0">
             <a:schemeClr val="accent1"/>
           </a:effectRef>
           <a:fontRef idx="minor">
-            <a:schemeClr val="lt1"/>
+            <a:schemeClr val="tx1"/>
           </a:fontRef>
         </p:style>
-        <p:txBody>
-          <a:bodyPr rtlCol="0" anchor="ctr"/>
-          <a:lstStyle/>
-          <a:p>
-            <a:pPr algn="ctr"/>
-            <a:endParaRPr lang="en-GB"/>
-          </a:p>
-        </p:txBody>
-      </p:sp>
-      <p:sp>
-        <p:nvSpPr>
-          <p:cNvPr id="10" name="ZoneTexte 9"/>
+      </p:cxnSp>
+      <p:cxnSp>
+        <p:nvCxnSpPr>
+          <p:cNvPr id="13" name="Straight Arrow Connector 12">
+            <a:extLst>
+              <a:ext uri="{FF2B5EF4-FFF2-40B4-BE49-F238E27FC236}">
+                <a16:creationId xmlns:a16="http://schemas.microsoft.com/office/drawing/2014/main" id="{F29AB5C4-B07D-4DD1-BB5B-A829967D6AAB}"/>
+              </a:ext>
+            </a:extLst>
+          </p:cNvPr>
+          <p:cNvCxnSpPr>
+            <a:cxnSpLocks/>
+          </p:cNvCxnSpPr>
+          <p:nvPr/>
+        </p:nvCxnSpPr>
+        <p:spPr>
+          <a:xfrm>
+            <a:off x="2851688" y="2915447"/>
+            <a:ext cx="1712563" cy="1059595"/>
+          </a:xfrm>
+          <a:prstGeom prst="straightConnector1">
+            <a:avLst/>
+          </a:prstGeom>
+          <a:ln w="57150">
+            <a:solidFill>
+              <a:srgbClr val="FF0000"/>
+            </a:solidFill>
+            <a:tailEnd type="triangle"/>
+          </a:ln>
+        </p:spPr>
+        <p:style>
+          <a:lnRef idx="1">
+            <a:schemeClr val="accent1"/>
+          </a:lnRef>
+          <a:fillRef idx="0">
+            <a:schemeClr val="accent1"/>
+          </a:fillRef>
+          <a:effectRef idx="0">
+            <a:schemeClr val="accent1"/>
+          </a:effectRef>
+          <a:fontRef idx="minor">
+            <a:schemeClr val="tx1"/>
+          </a:fontRef>
+        </p:style>
+      </p:cxnSp>
+      <p:sp>
+        <p:nvSpPr>
+          <p:cNvPr id="17" name="TextBox 16">
+            <a:extLst>
+              <a:ext uri="{FF2B5EF4-FFF2-40B4-BE49-F238E27FC236}">
+                <a16:creationId xmlns:a16="http://schemas.microsoft.com/office/drawing/2014/main" id="{2013EE86-7201-46B1-9573-9FC67AD2A536}"/>
+              </a:ext>
+            </a:extLst>
+          </p:cNvPr>
+          <p:cNvSpPr txBox="1"/>
+          <p:nvPr/>
+        </p:nvSpPr>
+        <p:spPr>
+          <a:xfrm>
+            <a:off x="1689315" y="2492347"/>
+            <a:ext cx="1317357" cy="461665"/>
+          </a:xfrm>
+          <a:prstGeom prst="rect">
+            <a:avLst/>
+          </a:prstGeom>
+          <a:noFill/>
+        </p:spPr>
+        <p:txBody>
+          <a:bodyPr wrap="square" rtlCol="0">
+            <a:spAutoFit/>
+          </a:bodyPr>
+          <a:lstStyle/>
+          <a:p>
+            <a:r>
+              <a:rPr lang="fr-FR" sz="2400" dirty="0"/>
+              <a:t>Soit ici…</a:t>
+            </a:r>
+          </a:p>
+        </p:txBody>
+      </p:sp>
+      <p:sp>
+        <p:nvSpPr>
+          <p:cNvPr id="18" name="TextBox 17">
+            <a:extLst>
+              <a:ext uri="{FF2B5EF4-FFF2-40B4-BE49-F238E27FC236}">
+                <a16:creationId xmlns:a16="http://schemas.microsoft.com/office/drawing/2014/main" id="{A9D55908-9DCF-4BDD-916F-D18E743546F0}"/>
+              </a:ext>
+            </a:extLst>
+          </p:cNvPr>
+          <p:cNvSpPr txBox="1"/>
+          <p:nvPr/>
+        </p:nvSpPr>
+        <p:spPr>
+          <a:xfrm>
+            <a:off x="9113003" y="2706326"/>
+            <a:ext cx="1402596" cy="461665"/>
+          </a:xfrm>
+          <a:prstGeom prst="rect">
+            <a:avLst/>
+          </a:prstGeom>
+          <a:noFill/>
+        </p:spPr>
+        <p:txBody>
+          <a:bodyPr wrap="square" rtlCol="0">
+            <a:spAutoFit/>
+          </a:bodyPr>
+          <a:lstStyle/>
+          <a:p>
+            <a:r>
+              <a:rPr lang="fr-FR" sz="2400" dirty="0"/>
+              <a:t>…soit là</a:t>
+            </a:r>
+          </a:p>
+        </p:txBody>
+      </p:sp>
+      <p:sp>
+        <p:nvSpPr>
+          <p:cNvPr id="11" name="ZoneTexte 10"/>
           <p:cNvSpPr txBox="1"/>
           <p:nvPr/>
         </p:nvSpPr>
@@ -6476,10 +6658,44 @@
           </a:p>
         </p:txBody>
       </p:sp>
+      <p:sp>
+        <p:nvSpPr>
+          <p:cNvPr id="14" name="ZoneTexte 13"/>
+          <p:cNvSpPr txBox="1"/>
+          <p:nvPr/>
+        </p:nvSpPr>
+        <p:spPr>
+          <a:xfrm>
+            <a:off x="1874193" y="5926372"/>
+            <a:ext cx="8443609" cy="461665"/>
+          </a:xfrm>
+          <a:prstGeom prst="rect">
+            <a:avLst/>
+          </a:prstGeom>
+          <a:noFill/>
+        </p:spPr>
+        <p:txBody>
+          <a:bodyPr wrap="square" rtlCol="0">
+            <a:spAutoFit/>
+          </a:bodyPr>
+          <a:lstStyle/>
+          <a:p>
+            <a:pPr algn="ctr">
+              <a:spcAft>
+                <a:spcPts val="600"/>
+              </a:spcAft>
+            </a:pPr>
+            <a:r>
+              <a:rPr lang="fr-FR" sz="2400" dirty="0"/>
+              <a:t>Attention: vous n’avez qu’une seconde pour réagir !</a:t>
+            </a:r>
+          </a:p>
+        </p:txBody>
+      </p:sp>
     </p:spTree>
     <p:extLst>
       <p:ext uri="{BB962C8B-B14F-4D97-AF65-F5344CB8AC3E}">
-        <p14:creationId xmlns:p14="http://schemas.microsoft.com/office/powerpoint/2010/main" val="1200644626"/>
+        <p14:creationId xmlns:p14="http://schemas.microsoft.com/office/powerpoint/2010/main" val="1964655482"/>
       </p:ext>
     </p:extLst>
   </p:cSld>
@@ -6515,7 +6731,7 @@
         <p:spPr>
           <a:xfrm>
             <a:off x="1874193" y="1545401"/>
-            <a:ext cx="8443609" cy="461665"/>
+            <a:ext cx="8443609" cy="907941"/>
           </a:xfrm>
           <a:prstGeom prst="rect">
             <a:avLst/>
@@ -6534,20 +6750,43 @@
               </a:spcAft>
             </a:pPr>
             <a:r>
+              <a:rPr lang="fr-FR" sz="2400" dirty="0"/>
+              <a:t>Il ne peut y avoir qu’un seul chiffre cible à</a:t>
+            </a:r>
+            <a:r>
+              <a:rPr lang="en-GB" sz="2400" dirty="0"/>
+              <a:t> </a:t>
+            </a:r>
+            <a:r>
+              <a:rPr lang="fr-FR" sz="2400" dirty="0"/>
+              <a:t>l’écran</a:t>
+            </a:r>
+            <a:r>
+              <a:rPr lang="en-GB" sz="2400" dirty="0"/>
+              <a:t> !</a:t>
+            </a:r>
+          </a:p>
+          <a:p>
+            <a:pPr algn="ctr">
+              <a:spcAft>
+                <a:spcPts val="600"/>
+              </a:spcAft>
+            </a:pPr>
+            <a:r>
+              <a:rPr lang="en-GB" sz="2400" dirty="0" err="1"/>
+              <a:t>Soit</a:t>
+            </a:r>
+            <a:r>
+              <a:rPr lang="en-GB" sz="2400" dirty="0"/>
+              <a:t> d’un </a:t>
+            </a:r>
+            <a:r>
+              <a:rPr lang="en-GB" sz="2400" dirty="0" err="1"/>
+              <a:t>côté</a:t>
+            </a:r>
+            <a:r>
               <a:rPr lang="en-GB" sz="2400" dirty="0"/>
               <a:t>…</a:t>
-            </a:r>
-            <a:r>
-              <a:rPr lang="en-GB" sz="2400" dirty="0" err="1"/>
-              <a:t>soit</a:t>
-            </a:r>
-            <a:r>
-              <a:rPr lang="en-GB" sz="2400" dirty="0"/>
-              <a:t> de </a:t>
-            </a:r>
-            <a:r>
-              <a:rPr lang="en-GB" sz="2400" dirty="0" err="1"/>
-              <a:t>l’autre</a:t>
             </a:r>
             <a:endParaRPr lang="fr-FR" sz="2400" dirty="0"/>
           </a:p>
@@ -6634,35 +6873,6 @@
           </a:prstGeom>
         </p:spPr>
       </p:pic>
-      <p:pic>
-        <p:nvPicPr>
-          <p:cNvPr id="6" name="Picture 5">
-            <a:extLst>
-              <a:ext uri="{FF2B5EF4-FFF2-40B4-BE49-F238E27FC236}">
-                <a16:creationId xmlns:a16="http://schemas.microsoft.com/office/drawing/2014/main" id="{9FB32EF4-C53B-468B-96D7-BE54D3B6E2CB}"/>
-              </a:ext>
-            </a:extLst>
-          </p:cNvPr>
-          <p:cNvPicPr>
-            <a:picLocks noChangeAspect="1"/>
-          </p:cNvPicPr>
-          <p:nvPr/>
-        </p:nvPicPr>
-        <p:blipFill rotWithShape="1">
-          <a:blip r:embed="rId3"/>
-          <a:srcRect l="33813" t="44399" r="33207" b="40007"/>
-          <a:stretch/>
-        </p:blipFill>
-        <p:spPr>
-          <a:xfrm>
-            <a:off x="4145797" y="4052807"/>
-            <a:ext cx="4020877" cy="1069383"/>
-          </a:xfrm>
-          <a:prstGeom prst="rect">
-            <a:avLst/>
-          </a:prstGeom>
-        </p:spPr>
-      </p:pic>
       <p:sp>
         <p:nvSpPr>
           <p:cNvPr id="4" name="Oval 3">
@@ -6677,7 +6887,7 @@
         </p:nvSpPr>
         <p:spPr>
           <a:xfrm>
-            <a:off x="4502259" y="4361455"/>
+            <a:off x="7377194" y="4393769"/>
             <a:ext cx="356461" cy="387458"/>
           </a:xfrm>
           <a:prstGeom prst="ellipse">
@@ -6762,7 +6972,7 @@
     </p:spTree>
     <p:extLst>
       <p:ext uri="{BB962C8B-B14F-4D97-AF65-F5344CB8AC3E}">
-        <p14:creationId xmlns:p14="http://schemas.microsoft.com/office/powerpoint/2010/main" val="374104847"/>
+        <p14:creationId xmlns:p14="http://schemas.microsoft.com/office/powerpoint/2010/main" val="1200644626"/>
       </p:ext>
     </p:extLst>
   </p:cSld>
@@ -6797,8 +7007,8 @@
         </p:nvSpPr>
         <p:spPr>
           <a:xfrm>
-            <a:off x="1874192" y="1013137"/>
-            <a:ext cx="8443609" cy="2092881"/>
+            <a:off x="1874193" y="1545401"/>
+            <a:ext cx="8443609" cy="461665"/>
           </a:xfrm>
           <a:prstGeom prst="rect">
             <a:avLst/>
@@ -6817,68 +7027,22 @@
               </a:spcAft>
             </a:pPr>
             <a:r>
-              <a:rPr lang="fr-FR" sz="2400" dirty="0"/>
-              <a:t>Attention: au cours de chaque exercice, la position (gauche ou droite) du chiffre cible changera au cours de l’exercice.</a:t>
-            </a:r>
-          </a:p>
-          <a:p>
-            <a:pPr algn="ctr">
-              <a:spcAft>
-                <a:spcPts val="600"/>
-              </a:spcAft>
-            </a:pPr>
+              <a:rPr lang="en-GB" sz="2400" dirty="0"/>
+              <a:t>…</a:t>
+            </a:r>
+            <a:r>
+              <a:rPr lang="en-GB" sz="2400" dirty="0" err="1"/>
+              <a:t>soit</a:t>
+            </a:r>
+            <a:r>
+              <a:rPr lang="en-GB" sz="2400" dirty="0"/>
+              <a:t> de </a:t>
+            </a:r>
+            <a:r>
+              <a:rPr lang="en-GB" sz="2400" dirty="0" err="1"/>
+              <a:t>l’autre</a:t>
+            </a:r>
             <a:endParaRPr lang="fr-FR" sz="2400" dirty="0"/>
-          </a:p>
-          <a:p>
-            <a:pPr algn="ctr">
-              <a:spcAft>
-                <a:spcPts val="600"/>
-              </a:spcAft>
-            </a:pPr>
-            <a:r>
-              <a:rPr lang="fr-FR" sz="2400" dirty="0"/>
-              <a:t>Au début de chaque exercice</a:t>
-            </a:r>
-            <a:r>
-              <a:rPr lang="en-GB" sz="2400" dirty="0"/>
-              <a:t>, </a:t>
-            </a:r>
-            <a:r>
-              <a:rPr lang="fr-FR" sz="2400" dirty="0"/>
-              <a:t>une</a:t>
-            </a:r>
-            <a:r>
-              <a:rPr lang="en-GB" sz="2400" dirty="0"/>
-              <a:t> </a:t>
-            </a:r>
-            <a:r>
-              <a:rPr lang="en-GB" sz="2400" dirty="0" err="1"/>
-              <a:t>fl</a:t>
-            </a:r>
-            <a:r>
-              <a:rPr lang="fr-FR" sz="2400" dirty="0"/>
-              <a:t>è</a:t>
-            </a:r>
-            <a:r>
-              <a:rPr lang="en-GB" sz="2400" dirty="0" err="1"/>
-              <a:t>che</a:t>
-            </a:r>
-            <a:r>
-              <a:rPr lang="fr-FR" sz="2400" dirty="0"/>
-              <a:t> orientée vous indiquera la position (gauche ou droite) de la première cible qui </a:t>
-            </a:r>
-            <a:r>
-              <a:rPr lang="fr-FR" sz="2400" dirty="0" err="1"/>
-              <a:t>apparaîtr</a:t>
-            </a:r>
-            <a:r>
-              <a:rPr lang="en-GB" sz="2400" dirty="0"/>
-              <a:t>a</a:t>
-            </a:r>
-            <a:r>
-              <a:rPr lang="fr-FR" sz="2400" dirty="0"/>
-              <a:t>:</a:t>
-            </a:r>
           </a:p>
         </p:txBody>
       </p:sp>
@@ -6890,7 +7054,7 @@
         </p:nvSpPr>
         <p:spPr>
           <a:xfrm>
-            <a:off x="3554499" y="3503832"/>
+            <a:off x="3554499" y="3080749"/>
             <a:ext cx="5083002" cy="3026364"/>
           </a:xfrm>
           <a:prstGeom prst="rect">
@@ -6934,38 +7098,113 @@
           </a:p>
         </p:txBody>
       </p:sp>
-      <p:sp>
-        <p:nvSpPr>
-          <p:cNvPr id="2" name="TextBox 1">
-            <a:extLst>
-              <a:ext uri="{FF2B5EF4-FFF2-40B4-BE49-F238E27FC236}">
-                <a16:creationId xmlns:a16="http://schemas.microsoft.com/office/drawing/2014/main" id="{7111A5F8-8C48-45F0-9302-BCC67BF682AD}"/>
-              </a:ext>
-            </a:extLst>
-          </p:cNvPr>
-          <p:cNvSpPr txBox="1"/>
+      <p:pic>
+        <p:nvPicPr>
+          <p:cNvPr id="3" name="Picture 2">
+            <a:extLst>
+              <a:ext uri="{FF2B5EF4-FFF2-40B4-BE49-F238E27FC236}">
+                <a16:creationId xmlns:a16="http://schemas.microsoft.com/office/drawing/2014/main" id="{3985072F-B431-4929-AB0E-F94079104ED7}"/>
+              </a:ext>
+            </a:extLst>
+          </p:cNvPr>
+          <p:cNvPicPr>
+            <a:picLocks noChangeAspect="1"/>
+          </p:cNvPicPr>
           <p:nvPr/>
-        </p:nvSpPr>
-        <p:spPr>
-          <a:xfrm>
-            <a:off x="5791197" y="4509182"/>
-            <a:ext cx="304800" cy="1015663"/>
+        </p:nvPicPr>
+        <p:blipFill rotWithShape="1">
+          <a:blip r:embed="rId2"/>
+          <a:srcRect l="33994" t="44493" r="34294" b="40869"/>
+          <a:stretch/>
+        </p:blipFill>
+        <p:spPr>
+          <a:xfrm>
+            <a:off x="4162836" y="4092004"/>
+            <a:ext cx="3866322" cy="1003853"/>
           </a:xfrm>
           <a:prstGeom prst="rect">
             <a:avLst/>
           </a:prstGeom>
+        </p:spPr>
+      </p:pic>
+      <p:pic>
+        <p:nvPicPr>
+          <p:cNvPr id="6" name="Picture 5">
+            <a:extLst>
+              <a:ext uri="{FF2B5EF4-FFF2-40B4-BE49-F238E27FC236}">
+                <a16:creationId xmlns:a16="http://schemas.microsoft.com/office/drawing/2014/main" id="{9FB32EF4-C53B-468B-96D7-BE54D3B6E2CB}"/>
+              </a:ext>
+            </a:extLst>
+          </p:cNvPr>
+          <p:cNvPicPr>
+            <a:picLocks noChangeAspect="1"/>
+          </p:cNvPicPr>
+          <p:nvPr/>
+        </p:nvPicPr>
+        <p:blipFill rotWithShape="1">
+          <a:blip r:embed="rId3"/>
+          <a:srcRect l="33813" t="44399" r="33207" b="40007"/>
+          <a:stretch/>
+        </p:blipFill>
+        <p:spPr>
+          <a:xfrm>
+            <a:off x="4145797" y="4052807"/>
+            <a:ext cx="4020877" cy="1069383"/>
+          </a:xfrm>
+          <a:prstGeom prst="rect">
+            <a:avLst/>
+          </a:prstGeom>
+        </p:spPr>
+      </p:pic>
+      <p:sp>
+        <p:nvSpPr>
+          <p:cNvPr id="4" name="Oval 3">
+            <a:extLst>
+              <a:ext uri="{FF2B5EF4-FFF2-40B4-BE49-F238E27FC236}">
+                <a16:creationId xmlns:a16="http://schemas.microsoft.com/office/drawing/2014/main" id="{0FA98DFB-F17C-4243-9265-325B8B8218D0}"/>
+              </a:ext>
+            </a:extLst>
+          </p:cNvPr>
+          <p:cNvSpPr/>
+          <p:nvPr/>
+        </p:nvSpPr>
+        <p:spPr>
+          <a:xfrm>
+            <a:off x="4502259" y="4361455"/>
+            <a:ext cx="356461" cy="387458"/>
+          </a:xfrm>
+          <a:prstGeom prst="ellipse">
+            <a:avLst/>
+          </a:prstGeom>
           <a:noFill/>
-        </p:spPr>
-        <p:txBody>
-          <a:bodyPr wrap="square" rtlCol="0">
-            <a:spAutoFit/>
-          </a:bodyPr>
-          <a:lstStyle/>
-          <a:p>
-            <a:r>
-              <a:rPr lang="en-GB" sz="6000" b="1" dirty="0"/>
-              <a:t>&gt;</a:t>
-            </a:r>
+          <a:ln w="28575">
+            <a:solidFill>
+              <a:srgbClr val="FF0000"/>
+            </a:solidFill>
+          </a:ln>
+        </p:spPr>
+        <p:style>
+          <a:lnRef idx="2">
+            <a:schemeClr val="accent1">
+              <a:shade val="50000"/>
+            </a:schemeClr>
+          </a:lnRef>
+          <a:fillRef idx="1">
+            <a:schemeClr val="accent1"/>
+          </a:fillRef>
+          <a:effectRef idx="0">
+            <a:schemeClr val="accent1"/>
+          </a:effectRef>
+          <a:fontRef idx="minor">
+            <a:schemeClr val="lt1"/>
+          </a:fontRef>
+        </p:style>
+        <p:txBody>
+          <a:bodyPr rtlCol="0" anchor="ctr"/>
+          <a:lstStyle/>
+          <a:p>
+            <a:pPr algn="ctr"/>
+            <a:endParaRPr lang="en-GB"/>
           </a:p>
         </p:txBody>
       </p:sp>
@@ -7008,7 +7247,7 @@
                   <a:srgbClr val="0070C0"/>
                 </a:solidFill>
               </a:rPr>
-              <a:t>EXERCICE DE CHARGE MENTALE: DIFFICULTÉ</a:t>
+              <a:t>EXERCICE DE CHARGE MENTALE: PRÉSENTATION</a:t>
             </a:r>
           </a:p>
         </p:txBody>
@@ -7016,7 +7255,7 @@
     </p:spTree>
     <p:extLst>
       <p:ext uri="{BB962C8B-B14F-4D97-AF65-F5344CB8AC3E}">
-        <p14:creationId xmlns:p14="http://schemas.microsoft.com/office/powerpoint/2010/main" val="1179153235"/>
+        <p14:creationId xmlns:p14="http://schemas.microsoft.com/office/powerpoint/2010/main" val="374104847"/>
       </p:ext>
     </p:extLst>
   </p:cSld>
@@ -7051,8 +7290,8 @@
         </p:nvSpPr>
         <p:spPr>
           <a:xfrm>
-            <a:off x="1044007" y="914683"/>
-            <a:ext cx="10103986" cy="2169825"/>
+            <a:off x="1874192" y="1013137"/>
+            <a:ext cx="8443609" cy="2092881"/>
           </a:xfrm>
           <a:prstGeom prst="rect">
             <a:avLst/>
@@ -7072,26 +7311,7 @@
             </a:pPr>
             <a:r>
               <a:rPr lang="fr-FR" sz="2400" dirty="0"/>
-              <a:t>Dans le mode « </a:t>
-            </a:r>
-            <a:r>
-              <a:rPr lang="fr-FR" sz="2400" b="1" dirty="0"/>
-              <a:t>facile</a:t>
-            </a:r>
-            <a:r>
-              <a:rPr lang="fr-FR" sz="2400" dirty="0"/>
-              <a:t> », les changements de position de la cible seront indiqués par un symbole fléché situé en position centrale.</a:t>
-            </a:r>
-          </a:p>
-          <a:p>
-            <a:pPr algn="ctr">
-              <a:spcAft>
-                <a:spcPts val="600"/>
-              </a:spcAft>
-            </a:pPr>
-            <a:r>
-              <a:rPr lang="fr-FR" sz="2400" dirty="0"/>
-              <a:t>Dans l’exemple ci-dessous, les prochaines cibles apparaîtront à droite:</a:t>
+              <a:t>Attention: au cours de chaque exercice, la position (gauche ou droite) du chiffre cible changera au cours de l’exercice.</a:t>
             </a:r>
           </a:p>
           <a:p>
@@ -7108,7 +7328,50 @@
                 <a:spcPts val="600"/>
               </a:spcAft>
             </a:pPr>
-            <a:endParaRPr lang="fr-FR" sz="2400" dirty="0"/>
+            <a:r>
+              <a:rPr lang="fr-FR" sz="2400" dirty="0"/>
+              <a:t>Au début de chaque exercice</a:t>
+            </a:r>
+            <a:r>
+              <a:rPr lang="en-GB" sz="2400" dirty="0"/>
+              <a:t>, </a:t>
+            </a:r>
+            <a:r>
+              <a:rPr lang="fr-FR" sz="2400" dirty="0"/>
+              <a:t>une</a:t>
+            </a:r>
+            <a:r>
+              <a:rPr lang="en-GB" sz="2400" dirty="0"/>
+              <a:t> </a:t>
+            </a:r>
+            <a:r>
+              <a:rPr lang="en-GB" sz="2400" dirty="0" err="1"/>
+              <a:t>fl</a:t>
+            </a:r>
+            <a:r>
+              <a:rPr lang="fr-FR" sz="2400" dirty="0"/>
+              <a:t>è</a:t>
+            </a:r>
+            <a:r>
+              <a:rPr lang="en-GB" sz="2400" dirty="0" err="1"/>
+              <a:t>che</a:t>
+            </a:r>
+            <a:r>
+              <a:rPr lang="fr-FR" sz="2400" dirty="0"/>
+              <a:t> orientée vous indiquera la position (gauche ou droite) de la première cible qui </a:t>
+            </a:r>
+            <a:r>
+              <a:rPr lang="fr-FR" sz="2400" dirty="0" err="1"/>
+              <a:t>apparaîtr</a:t>
+            </a:r>
+            <a:r>
+              <a:rPr lang="en-GB" sz="2400" dirty="0"/>
+              <a:t>a</a:t>
+            </a:r>
+            <a:r>
+              <a:rPr lang="fr-FR" sz="2400" dirty="0"/>
+              <a:t>:</a:t>
+            </a:r>
           </a:p>
         </p:txBody>
       </p:sp>
@@ -7120,7 +7383,7 @@
         </p:nvSpPr>
         <p:spPr>
           <a:xfrm>
-            <a:off x="3554499" y="2498442"/>
+            <a:off x="3554499" y="3503832"/>
             <a:ext cx="5083002" cy="3026364"/>
           </a:xfrm>
           <a:prstGeom prst="rect">
@@ -7164,90 +7427,44 @@
           </a:p>
         </p:txBody>
       </p:sp>
-      <p:pic>
-        <p:nvPicPr>
-          <p:cNvPr id="10" name="Picture 9">
-            <a:extLst>
-              <a:ext uri="{FF2B5EF4-FFF2-40B4-BE49-F238E27FC236}">
-                <a16:creationId xmlns:a16="http://schemas.microsoft.com/office/drawing/2014/main" id="{126F769C-6853-4877-A3F7-CAB987976EE4}"/>
-              </a:ext>
-            </a:extLst>
-          </p:cNvPr>
-          <p:cNvPicPr>
-            <a:picLocks noChangeAspect="1"/>
-          </p:cNvPicPr>
+      <p:sp>
+        <p:nvSpPr>
+          <p:cNvPr id="2" name="TextBox 1">
+            <a:extLst>
+              <a:ext uri="{FF2B5EF4-FFF2-40B4-BE49-F238E27FC236}">
+                <a16:creationId xmlns:a16="http://schemas.microsoft.com/office/drawing/2014/main" id="{7111A5F8-8C48-45F0-9302-BCC67BF682AD}"/>
+              </a:ext>
+            </a:extLst>
+          </p:cNvPr>
+          <p:cNvSpPr txBox="1"/>
           <p:nvPr/>
-        </p:nvPicPr>
-        <p:blipFill rotWithShape="1">
-          <a:blip r:embed="rId2"/>
-          <a:srcRect l="32669" t="43277" r="32373" b="38305"/>
-          <a:stretch/>
-        </p:blipFill>
-        <p:spPr>
-          <a:xfrm>
-            <a:off x="3964980" y="3380067"/>
-            <a:ext cx="4262034" cy="1263113"/>
+        </p:nvSpPr>
+        <p:spPr>
+          <a:xfrm>
+            <a:off x="5791197" y="4509182"/>
+            <a:ext cx="304800" cy="1015663"/>
           </a:xfrm>
           <a:prstGeom prst="rect">
             <a:avLst/>
           </a:prstGeom>
-        </p:spPr>
-      </p:pic>
-      <p:sp>
-        <p:nvSpPr>
-          <p:cNvPr id="11" name="Oval 10">
-            <a:extLst>
-              <a:ext uri="{FF2B5EF4-FFF2-40B4-BE49-F238E27FC236}">
-                <a16:creationId xmlns:a16="http://schemas.microsoft.com/office/drawing/2014/main" id="{E5F2F0C8-AF62-436C-AA71-A367DCC55071}"/>
-              </a:ext>
-            </a:extLst>
-          </p:cNvPr>
-          <p:cNvSpPr/>
-          <p:nvPr/>
-        </p:nvSpPr>
-        <p:spPr>
-          <a:xfrm>
-            <a:off x="5889357" y="3763649"/>
-            <a:ext cx="356461" cy="387458"/>
-          </a:xfrm>
-          <a:prstGeom prst="ellipse">
-            <a:avLst/>
-          </a:prstGeom>
           <a:noFill/>
-          <a:ln w="28575">
-            <a:solidFill>
-              <a:srgbClr val="FF0000"/>
-            </a:solidFill>
-          </a:ln>
-        </p:spPr>
-        <p:style>
-          <a:lnRef idx="2">
-            <a:schemeClr val="accent1">
-              <a:shade val="50000"/>
-            </a:schemeClr>
-          </a:lnRef>
-          <a:fillRef idx="1">
-            <a:schemeClr val="accent1"/>
-          </a:fillRef>
-          <a:effectRef idx="0">
-            <a:schemeClr val="accent1"/>
-          </a:effectRef>
-          <a:fontRef idx="minor">
-            <a:schemeClr val="lt1"/>
-          </a:fontRef>
-        </p:style>
-        <p:txBody>
-          <a:bodyPr rtlCol="0" anchor="ctr"/>
-          <a:lstStyle/>
-          <a:p>
-            <a:pPr algn="ctr"/>
-            <a:endParaRPr lang="en-GB"/>
-          </a:p>
-        </p:txBody>
-      </p:sp>
-      <p:sp>
-        <p:nvSpPr>
-          <p:cNvPr id="12" name="ZoneTexte 11"/>
+        </p:spPr>
+        <p:txBody>
+          <a:bodyPr wrap="square" rtlCol="0">
+            <a:spAutoFit/>
+          </a:bodyPr>
+          <a:lstStyle/>
+          <a:p>
+            <a:r>
+              <a:rPr lang="en-GB" sz="6000" b="1" dirty="0"/>
+              <a:t>&gt;</a:t>
+            </a:r>
+          </a:p>
+        </p:txBody>
+      </p:sp>
+      <p:sp>
+        <p:nvSpPr>
+          <p:cNvPr id="10" name="ZoneTexte 9"/>
           <p:cNvSpPr txBox="1"/>
           <p:nvPr/>
         </p:nvSpPr>
@@ -7284,49 +7501,7 @@
                   <a:srgbClr val="0070C0"/>
                 </a:solidFill>
               </a:rPr>
-              <a:t>EXERCICE DE CHARGE MENTALE: MODE FACILE</a:t>
-            </a:r>
-          </a:p>
-        </p:txBody>
-      </p:sp>
-      <p:sp>
-        <p:nvSpPr>
-          <p:cNvPr id="13" name="ZoneTexte 12"/>
-          <p:cNvSpPr txBox="1"/>
-          <p:nvPr/>
-        </p:nvSpPr>
-        <p:spPr>
-          <a:xfrm>
-            <a:off x="1044599" y="5753203"/>
-            <a:ext cx="10102802" cy="830997"/>
-          </a:xfrm>
-          <a:prstGeom prst="rect">
-            <a:avLst/>
-          </a:prstGeom>
-          <a:noFill/>
-        </p:spPr>
-        <p:txBody>
-          <a:bodyPr wrap="square" rtlCol="0">
-            <a:spAutoFit/>
-          </a:bodyPr>
-          <a:lstStyle/>
-          <a:p>
-            <a:pPr algn="ctr">
-              <a:spcAft>
-                <a:spcPts val="600"/>
-              </a:spcAft>
-            </a:pPr>
-            <a:r>
-              <a:rPr lang="fr-FR" sz="2400" dirty="0"/>
-              <a:t>Vous n’avez pas à r</a:t>
-            </a:r>
-            <a:r>
-              <a:rPr lang="en-GB" sz="2400" dirty="0" err="1"/>
-              <a:t>épondre</a:t>
-            </a:r>
-            <a:r>
-              <a:rPr lang="fr-FR" sz="2400" dirty="0"/>
-              <a:t> lorsque cela arrive, mais vous devez alors déplacer rapidement votre attention vers la position indiquée (ici: à droite).</a:t>
+              <a:t>EXERCICE DE CHARGE MENTALE: DIFFICULTÉ</a:t>
             </a:r>
           </a:p>
         </p:txBody>
@@ -7334,7 +7509,7 @@
     </p:spTree>
     <p:extLst>
       <p:ext uri="{BB962C8B-B14F-4D97-AF65-F5344CB8AC3E}">
-        <p14:creationId xmlns:p14="http://schemas.microsoft.com/office/powerpoint/2010/main" val="2357448880"/>
+        <p14:creationId xmlns:p14="http://schemas.microsoft.com/office/powerpoint/2010/main" val="1179153235"/>
       </p:ext>
     </p:extLst>
   </p:cSld>
@@ -7369,8 +7544,8 @@
         </p:nvSpPr>
         <p:spPr>
           <a:xfrm>
-            <a:off x="727881" y="1099125"/>
-            <a:ext cx="10740788" cy="830997"/>
+            <a:off x="1044007" y="914683"/>
+            <a:ext cx="10103986" cy="2169825"/>
           </a:xfrm>
           <a:prstGeom prst="rect">
             <a:avLst/>
@@ -7394,12 +7569,39 @@
             </a:r>
             <a:r>
               <a:rPr lang="fr-FR" sz="2400" b="1" dirty="0"/>
-              <a:t>difficile</a:t>
+              <a:t>facile</a:t>
             </a:r>
             <a:r>
               <a:rPr lang="fr-FR" sz="2400" dirty="0"/>
-              <a:t> », les changements de position du chiffre cible ne seront pas indiqués (le symbole central sera symbole sera le nombre 3):</a:t>
-            </a:r>
+              <a:t> », les changements de position de la cible seront indiqués par un symbole fléché situé en position centrale.</a:t>
+            </a:r>
+          </a:p>
+          <a:p>
+            <a:pPr algn="ctr">
+              <a:spcAft>
+                <a:spcPts val="600"/>
+              </a:spcAft>
+            </a:pPr>
+            <a:r>
+              <a:rPr lang="fr-FR" sz="2400" dirty="0"/>
+              <a:t>Dans l’exemple ci-dessous, les prochaines cibles apparaîtront à droite:</a:t>
+            </a:r>
+          </a:p>
+          <a:p>
+            <a:pPr algn="ctr">
+              <a:spcAft>
+                <a:spcPts val="600"/>
+              </a:spcAft>
+            </a:pPr>
+            <a:endParaRPr lang="fr-FR" sz="2400" dirty="0"/>
+          </a:p>
+          <a:p>
+            <a:pPr algn="ctr">
+              <a:spcAft>
+                <a:spcPts val="600"/>
+              </a:spcAft>
+            </a:pPr>
+            <a:endParaRPr lang="fr-FR" sz="2400" dirty="0"/>
           </a:p>
         </p:txBody>
       </p:sp>
@@ -7411,7 +7613,7 @@
         </p:nvSpPr>
         <p:spPr>
           <a:xfrm>
-            <a:off x="3554499" y="2179987"/>
+            <a:off x="3554499" y="2498442"/>
             <a:ext cx="5083002" cy="3026364"/>
           </a:xfrm>
           <a:prstGeom prst="rect">
@@ -7457,10 +7659,10 @@
       </p:sp>
       <p:pic>
         <p:nvPicPr>
-          <p:cNvPr id="2" name="Picture 1">
-            <a:extLst>
-              <a:ext uri="{FF2B5EF4-FFF2-40B4-BE49-F238E27FC236}">
-                <a16:creationId xmlns:a16="http://schemas.microsoft.com/office/drawing/2014/main" id="{363014B6-7902-405A-B1A0-4FBCAB6E369B}"/>
+          <p:cNvPr id="10" name="Picture 9">
+            <a:extLst>
+              <a:ext uri="{FF2B5EF4-FFF2-40B4-BE49-F238E27FC236}">
+                <a16:creationId xmlns:a16="http://schemas.microsoft.com/office/drawing/2014/main" id="{126F769C-6853-4877-A3F7-CAB987976EE4}"/>
               </a:ext>
             </a:extLst>
           </p:cNvPr>
@@ -7471,13 +7673,13 @@
         </p:nvPicPr>
         <p:blipFill rotWithShape="1">
           <a:blip r:embed="rId2"/>
-          <a:srcRect l="32860" t="42712" r="33326" b="39209"/>
+          <a:srcRect l="32669" t="43277" r="32373" b="38305"/>
           <a:stretch/>
         </p:blipFill>
         <p:spPr>
           <a:xfrm>
-            <a:off x="3975315" y="3020310"/>
-            <a:ext cx="4122549" cy="1239864"/>
+            <a:off x="3964980" y="3380067"/>
+            <a:ext cx="4262034" cy="1263113"/>
           </a:xfrm>
           <a:prstGeom prst="rect">
             <a:avLst/>
@@ -7498,7 +7700,7 @@
         </p:nvSpPr>
         <p:spPr>
           <a:xfrm>
-            <a:off x="5873856" y="3445196"/>
+            <a:off x="5889357" y="3763649"/>
             <a:ext cx="356461" cy="387458"/>
           </a:xfrm>
           <a:prstGeom prst="ellipse">
@@ -7538,7 +7740,7 @@
       </p:sp>
       <p:sp>
         <p:nvSpPr>
-          <p:cNvPr id="10" name="ZoneTexte 9"/>
+          <p:cNvPr id="12" name="ZoneTexte 11"/>
           <p:cNvSpPr txBox="1"/>
           <p:nvPr/>
         </p:nvSpPr>
@@ -7575,28 +7777,29 @@
                   <a:srgbClr val="0070C0"/>
                 </a:solidFill>
               </a:rPr>
-              <a:t>EXERCICE DE CHARGE MENTALE: MODE DIFFICILE</a:t>
-            </a:r>
-          </a:p>
-        </p:txBody>
-      </p:sp>
-      <p:sp>
-        <p:nvSpPr>
-          <p:cNvPr id="3" name="Rectangle 2"/>
-          <p:cNvSpPr/>
+              <a:t>EXERCICE DE CHARGE MENTALE: MODE FACILE</a:t>
+            </a:r>
+          </a:p>
+        </p:txBody>
+      </p:sp>
+      <p:sp>
+        <p:nvSpPr>
+          <p:cNvPr id="13" name="ZoneTexte 12"/>
+          <p:cNvSpPr txBox="1"/>
           <p:nvPr/>
         </p:nvSpPr>
         <p:spPr>
           <a:xfrm>
-            <a:off x="941696" y="5403208"/>
-            <a:ext cx="10668000" cy="1277273"/>
+            <a:off x="1044599" y="5753203"/>
+            <a:ext cx="10102802" cy="830997"/>
           </a:xfrm>
           <a:prstGeom prst="rect">
             <a:avLst/>
           </a:prstGeom>
-        </p:spPr>
-        <p:txBody>
-          <a:bodyPr wrap="square">
+          <a:noFill/>
+        </p:spPr>
+        <p:txBody>
+          <a:bodyPr wrap="square" rtlCol="0">
             <a:spAutoFit/>
           </a:bodyPr>
           <a:lstStyle/>
@@ -7608,18 +7811,15 @@
             </a:pPr>
             <a:r>
               <a:rPr lang="fr-FR" sz="2400" dirty="0"/>
-              <a:t>Vous devrez donc détecter ces changements sans indice extérieur, en maintenant simultanément votre attention sur les deux positions possibles de la cible.</a:t>
-            </a:r>
-          </a:p>
-          <a:p>
-            <a:pPr algn="ctr">
-              <a:spcAft>
-                <a:spcPts val="600"/>
-              </a:spcAft>
-            </a:pPr>
+              <a:t>Vous n’avez pas à r</a:t>
+            </a:r>
+            <a:r>
+              <a:rPr lang="en-GB" sz="2400" dirty="0" err="1"/>
+              <a:t>épondre</a:t>
+            </a:r>
             <a:r>
               <a:rPr lang="fr-FR" sz="2400" dirty="0"/>
-              <a:t>Comme vous le verrez, ceci augmente nettement la charge mentale.</a:t>
+              <a:t> lorsque cela arrive, mais vous devez alors déplacer rapidement votre attention vers la position indiquée (ici: à droite).</a:t>
             </a:r>
           </a:p>
         </p:txBody>
@@ -7627,7 +7827,7 @@
     </p:spTree>
     <p:extLst>
       <p:ext uri="{BB962C8B-B14F-4D97-AF65-F5344CB8AC3E}">
-        <p14:creationId xmlns:p14="http://schemas.microsoft.com/office/powerpoint/2010/main" val="2797483770"/>
+        <p14:creationId xmlns:p14="http://schemas.microsoft.com/office/powerpoint/2010/main" val="2357448880"/>
       </p:ext>
     </p:extLst>
   </p:cSld>
